--- a/자료/종합설계 프로토타입 세션 4-11 (이현중, 김하은, 조윤선).pptx
+++ b/자료/종합설계 프로토타입 세션 4-11 (이현중, 김하은, 조윤선).pptx
@@ -5,7 +5,7 @@
     <p:sldMasterId id="2147483648" r:id="rId1"/>
   </p:sldMasterIdLst>
   <p:notesMasterIdLst>
-    <p:notesMasterId r:id="rId27"/>
+    <p:notesMasterId r:id="rId26"/>
   </p:notesMasterIdLst>
   <p:sldIdLst>
     <p:sldId id="281" r:id="rId2"/>
@@ -13,26 +13,25 @@
     <p:sldId id="259" r:id="rId4"/>
     <p:sldId id="290" r:id="rId5"/>
     <p:sldId id="289" r:id="rId6"/>
-    <p:sldId id="291" r:id="rId7"/>
+    <p:sldId id="284" r:id="rId7"/>
     <p:sldId id="295" r:id="rId8"/>
     <p:sldId id="296" r:id="rId9"/>
     <p:sldId id="297" r:id="rId10"/>
-    <p:sldId id="284" r:id="rId11"/>
-    <p:sldId id="261" r:id="rId12"/>
-    <p:sldId id="260" r:id="rId13"/>
-    <p:sldId id="292" r:id="rId14"/>
-    <p:sldId id="298" r:id="rId15"/>
-    <p:sldId id="293" r:id="rId16"/>
-    <p:sldId id="299" r:id="rId17"/>
-    <p:sldId id="270" r:id="rId18"/>
-    <p:sldId id="283" r:id="rId19"/>
-    <p:sldId id="285" r:id="rId20"/>
-    <p:sldId id="288" r:id="rId21"/>
-    <p:sldId id="294" r:id="rId22"/>
-    <p:sldId id="286" r:id="rId23"/>
-    <p:sldId id="275" r:id="rId24"/>
-    <p:sldId id="287" r:id="rId25"/>
-    <p:sldId id="282" r:id="rId26"/>
+    <p:sldId id="261" r:id="rId11"/>
+    <p:sldId id="260" r:id="rId12"/>
+    <p:sldId id="292" r:id="rId13"/>
+    <p:sldId id="298" r:id="rId14"/>
+    <p:sldId id="293" r:id="rId15"/>
+    <p:sldId id="299" r:id="rId16"/>
+    <p:sldId id="270" r:id="rId17"/>
+    <p:sldId id="283" r:id="rId18"/>
+    <p:sldId id="285" r:id="rId19"/>
+    <p:sldId id="288" r:id="rId20"/>
+    <p:sldId id="294" r:id="rId21"/>
+    <p:sldId id="286" r:id="rId22"/>
+    <p:sldId id="275" r:id="rId23"/>
+    <p:sldId id="287" r:id="rId24"/>
+    <p:sldId id="282" r:id="rId25"/>
   </p:sldIdLst>
   <p:sldSz cx="9144000" cy="6858000" type="screen4x3"/>
   <p:notesSz cx="6858000" cy="9144000"/>
@@ -233,7 +232,7 @@
             <a:fld id="{EBDC57CC-808A-4BED-9E7A-1B37C44020CC}" type="datetimeFigureOut">
               <a:rPr lang="ko-KR" altLang="en-US" smtClean="0"/>
               <a:pPr/>
-              <a:t>2018-05-17</a:t>
+              <a:t>2018-05-31</a:t>
             </a:fld>
             <a:endParaRPr lang="ko-KR" altLang="en-US"/>
           </a:p>
@@ -660,6 +659,11 @@
         </p:txBody>
       </p:sp>
     </p:spTree>
+    <p:extLst>
+      <p:ext uri="{BB962C8B-B14F-4D97-AF65-F5344CB8AC3E}">
+        <p14:creationId xmlns:p14="http://schemas.microsoft.com/office/powerpoint/2010/main" val="1134880256"/>
+      </p:ext>
+    </p:extLst>
   </p:cSld>
   <p:clrMapOvr>
     <a:masterClrMapping/>
@@ -744,7 +748,7 @@
     </p:spTree>
     <p:extLst>
       <p:ext uri="{BB962C8B-B14F-4D97-AF65-F5344CB8AC3E}">
-        <p14:creationId xmlns:p14="http://schemas.microsoft.com/office/powerpoint/2010/main" val="1134880256"/>
+        <p14:creationId xmlns:p14="http://schemas.microsoft.com/office/powerpoint/2010/main" val="2887118629"/>
       </p:ext>
     </p:extLst>
   </p:cSld>
@@ -831,7 +835,7 @@
     </p:spTree>
     <p:extLst>
       <p:ext uri="{BB962C8B-B14F-4D97-AF65-F5344CB8AC3E}">
-        <p14:creationId xmlns:p14="http://schemas.microsoft.com/office/powerpoint/2010/main" val="2887118629"/>
+        <p14:creationId xmlns:p14="http://schemas.microsoft.com/office/powerpoint/2010/main" val="3325381567"/>
       </p:ext>
     </p:extLst>
   </p:cSld>
@@ -918,7 +922,7 @@
     </p:spTree>
     <p:extLst>
       <p:ext uri="{BB962C8B-B14F-4D97-AF65-F5344CB8AC3E}">
-        <p14:creationId xmlns:p14="http://schemas.microsoft.com/office/powerpoint/2010/main" val="3325381567"/>
+        <p14:creationId xmlns:p14="http://schemas.microsoft.com/office/powerpoint/2010/main" val="1807677457"/>
       </p:ext>
     </p:extLst>
   </p:cSld>
@@ -1003,11 +1007,6 @@
         </p:txBody>
       </p:sp>
     </p:spTree>
-    <p:extLst>
-      <p:ext uri="{BB962C8B-B14F-4D97-AF65-F5344CB8AC3E}">
-        <p14:creationId xmlns:p14="http://schemas.microsoft.com/office/powerpoint/2010/main" val="1807677457"/>
-      </p:ext>
-    </p:extLst>
   </p:cSld>
   <p:clrMapOvr>
     <a:masterClrMapping/>
@@ -1090,6 +1089,11 @@
         </p:txBody>
       </p:sp>
     </p:spTree>
+    <p:extLst>
+      <p:ext uri="{BB962C8B-B14F-4D97-AF65-F5344CB8AC3E}">
+        <p14:creationId xmlns:p14="http://schemas.microsoft.com/office/powerpoint/2010/main" val="1713134683"/>
+      </p:ext>
+    </p:extLst>
   </p:cSld>
   <p:clrMapOvr>
     <a:masterClrMapping/>
@@ -1174,7 +1178,7 @@
     </p:spTree>
     <p:extLst>
       <p:ext uri="{BB962C8B-B14F-4D97-AF65-F5344CB8AC3E}">
-        <p14:creationId xmlns:p14="http://schemas.microsoft.com/office/powerpoint/2010/main" val="1713134683"/>
+        <p14:creationId xmlns:p14="http://schemas.microsoft.com/office/powerpoint/2010/main" val="296223184"/>
       </p:ext>
     </p:extLst>
   </p:cSld>
@@ -1261,7 +1265,7 @@
     </p:spTree>
     <p:extLst>
       <p:ext uri="{BB962C8B-B14F-4D97-AF65-F5344CB8AC3E}">
-        <p14:creationId xmlns:p14="http://schemas.microsoft.com/office/powerpoint/2010/main" val="296223184"/>
+        <p14:creationId xmlns:p14="http://schemas.microsoft.com/office/powerpoint/2010/main" val="3069319809"/>
       </p:ext>
     </p:extLst>
   </p:cSld>
@@ -1348,7 +1352,7 @@
     </p:spTree>
     <p:extLst>
       <p:ext uri="{BB962C8B-B14F-4D97-AF65-F5344CB8AC3E}">
-        <p14:creationId xmlns:p14="http://schemas.microsoft.com/office/powerpoint/2010/main" val="3069319809"/>
+        <p14:creationId xmlns:p14="http://schemas.microsoft.com/office/powerpoint/2010/main" val="1463371506"/>
       </p:ext>
     </p:extLst>
   </p:cSld>
@@ -1435,7 +1439,7 @@
     </p:spTree>
     <p:extLst>
       <p:ext uri="{BB962C8B-B14F-4D97-AF65-F5344CB8AC3E}">
-        <p14:creationId xmlns:p14="http://schemas.microsoft.com/office/powerpoint/2010/main" val="1463371506"/>
+        <p14:creationId xmlns:p14="http://schemas.microsoft.com/office/powerpoint/2010/main" val="1447145725"/>
       </p:ext>
     </p:extLst>
   </p:cSld>
@@ -1607,11 +1611,6 @@
         </p:txBody>
       </p:sp>
     </p:spTree>
-    <p:extLst>
-      <p:ext uri="{BB962C8B-B14F-4D97-AF65-F5344CB8AC3E}">
-        <p14:creationId xmlns:p14="http://schemas.microsoft.com/office/powerpoint/2010/main" val="1447145725"/>
-      </p:ext>
-    </p:extLst>
   </p:cSld>
   <p:clrMapOvr>
     <a:masterClrMapping/>
@@ -1688,88 +1687,6 @@
               <a:rPr lang="ko-KR" altLang="en-US" smtClean="0"/>
               <a:pPr/>
               <a:t>23</a:t>
-            </a:fld>
-            <a:endParaRPr lang="ko-KR" altLang="en-US"/>
-          </a:p>
-        </p:txBody>
-      </p:sp>
-    </p:spTree>
-  </p:cSld>
-  <p:clrMapOvr>
-    <a:masterClrMapping/>
-  </p:clrMapOvr>
-</p:notes>
-</file>
-
-<file path=ppt/notesSlides/notesSlide22.xml><?xml version="1.0" encoding="utf-8"?>
-<p:notes xmlns:a="http://schemas.openxmlformats.org/drawingml/2006/main" xmlns:r="http://schemas.openxmlformats.org/officeDocument/2006/relationships" xmlns:p="http://schemas.openxmlformats.org/presentationml/2006/main">
-  <p:cSld>
-    <p:spTree>
-      <p:nvGrpSpPr>
-        <p:cNvPr id="1" name=""/>
-        <p:cNvGrpSpPr/>
-        <p:nvPr/>
-      </p:nvGrpSpPr>
-      <p:grpSpPr>
-        <a:xfrm>
-          <a:off x="0" y="0"/>
-          <a:ext cx="0" cy="0"/>
-          <a:chOff x="0" y="0"/>
-          <a:chExt cx="0" cy="0"/>
-        </a:xfrm>
-      </p:grpSpPr>
-      <p:sp>
-        <p:nvSpPr>
-          <p:cNvPr id="2" name="슬라이드 이미지 개체 틀 1"/>
-          <p:cNvSpPr>
-            <a:spLocks noGrp="1" noRot="1" noChangeAspect="1"/>
-          </p:cNvSpPr>
-          <p:nvPr>
-            <p:ph type="sldImg"/>
-          </p:nvPr>
-        </p:nvSpPr>
-        <p:spPr/>
-      </p:sp>
-      <p:sp>
-        <p:nvSpPr>
-          <p:cNvPr id="3" name="슬라이드 노트 개체 틀 2"/>
-          <p:cNvSpPr>
-            <a:spLocks noGrp="1"/>
-          </p:cNvSpPr>
-          <p:nvPr>
-            <p:ph type="body" idx="1"/>
-          </p:nvPr>
-        </p:nvSpPr>
-        <p:spPr/>
-        <p:txBody>
-          <a:bodyPr>
-            <a:normAutofit/>
-          </a:bodyPr>
-          <a:lstStyle/>
-          <a:p>
-            <a:endParaRPr lang="ko-KR" altLang="en-US" dirty="0"/>
-          </a:p>
-        </p:txBody>
-      </p:sp>
-      <p:sp>
-        <p:nvSpPr>
-          <p:cNvPr id="4" name="슬라이드 번호 개체 틀 3"/>
-          <p:cNvSpPr>
-            <a:spLocks noGrp="1"/>
-          </p:cNvSpPr>
-          <p:nvPr>
-            <p:ph type="sldNum" sz="quarter" idx="10"/>
-          </p:nvPr>
-        </p:nvSpPr>
-        <p:spPr/>
-        <p:txBody>
-          <a:bodyPr/>
-          <a:lstStyle/>
-          <a:p>
-            <a:fld id="{A56C86C5-FAF1-4836-A4FC-BAB2C5966907}" type="slidenum">
-              <a:rPr lang="ko-KR" altLang="en-US" smtClean="0"/>
-              <a:pPr/>
-              <a:t>24</a:t>
             </a:fld>
             <a:endParaRPr lang="ko-KR" altLang="en-US"/>
           </a:p>
@@ -1952,7 +1869,7 @@
     </p:spTree>
     <p:extLst>
       <p:ext uri="{BB962C8B-B14F-4D97-AF65-F5344CB8AC3E}">
-        <p14:creationId xmlns:p14="http://schemas.microsoft.com/office/powerpoint/2010/main" val="3009212126"/>
+        <p14:creationId xmlns:p14="http://schemas.microsoft.com/office/powerpoint/2010/main" val="1248501064"/>
       </p:ext>
     </p:extLst>
   </p:cSld>
@@ -2298,11 +2215,6 @@
         </p:txBody>
       </p:sp>
     </p:spTree>
-    <p:extLst>
-      <p:ext uri="{BB962C8B-B14F-4D97-AF65-F5344CB8AC3E}">
-        <p14:creationId xmlns:p14="http://schemas.microsoft.com/office/powerpoint/2010/main" val="1248501064"/>
-      </p:ext>
-    </p:extLst>
   </p:cSld>
   <p:clrMapOvr>
     <a:masterClrMapping/>
@@ -2572,7 +2484,7 @@
             <a:fld id="{E7DD02DF-752E-41D6-9262-3727A5B796EF}" type="datetimeFigureOut">
               <a:rPr lang="ko-KR" altLang="en-US" smtClean="0"/>
               <a:pPr/>
-              <a:t>2018-05-17</a:t>
+              <a:t>2018-05-31</a:t>
             </a:fld>
             <a:endParaRPr lang="ko-KR" altLang="en-US"/>
           </a:p>
@@ -2737,7 +2649,7 @@
             <a:fld id="{E7DD02DF-752E-41D6-9262-3727A5B796EF}" type="datetimeFigureOut">
               <a:rPr lang="ko-KR" altLang="en-US" smtClean="0"/>
               <a:pPr/>
-              <a:t>2018-05-17</a:t>
+              <a:t>2018-05-31</a:t>
             </a:fld>
             <a:endParaRPr lang="ko-KR" altLang="en-US"/>
           </a:p>
@@ -2912,7 +2824,7 @@
             <a:fld id="{E7DD02DF-752E-41D6-9262-3727A5B796EF}" type="datetimeFigureOut">
               <a:rPr lang="ko-KR" altLang="en-US" smtClean="0"/>
               <a:pPr/>
-              <a:t>2018-05-17</a:t>
+              <a:t>2018-05-31</a:t>
             </a:fld>
             <a:endParaRPr lang="ko-KR" altLang="en-US"/>
           </a:p>
@@ -3077,7 +2989,7 @@
             <a:fld id="{E7DD02DF-752E-41D6-9262-3727A5B796EF}" type="datetimeFigureOut">
               <a:rPr lang="ko-KR" altLang="en-US" smtClean="0"/>
               <a:pPr/>
-              <a:t>2018-05-17</a:t>
+              <a:t>2018-05-31</a:t>
             </a:fld>
             <a:endParaRPr lang="ko-KR" altLang="en-US"/>
           </a:p>
@@ -3319,7 +3231,7 @@
             <a:fld id="{E7DD02DF-752E-41D6-9262-3727A5B796EF}" type="datetimeFigureOut">
               <a:rPr lang="ko-KR" altLang="en-US" smtClean="0"/>
               <a:pPr/>
-              <a:t>2018-05-17</a:t>
+              <a:t>2018-05-31</a:t>
             </a:fld>
             <a:endParaRPr lang="ko-KR" altLang="en-US"/>
           </a:p>
@@ -3601,7 +3513,7 @@
             <a:fld id="{E7DD02DF-752E-41D6-9262-3727A5B796EF}" type="datetimeFigureOut">
               <a:rPr lang="ko-KR" altLang="en-US" smtClean="0"/>
               <a:pPr/>
-              <a:t>2018-05-17</a:t>
+              <a:t>2018-05-31</a:t>
             </a:fld>
             <a:endParaRPr lang="ko-KR" altLang="en-US"/>
           </a:p>
@@ -4017,7 +3929,7 @@
             <a:fld id="{E7DD02DF-752E-41D6-9262-3727A5B796EF}" type="datetimeFigureOut">
               <a:rPr lang="ko-KR" altLang="en-US" smtClean="0"/>
               <a:pPr/>
-              <a:t>2018-05-17</a:t>
+              <a:t>2018-05-31</a:t>
             </a:fld>
             <a:endParaRPr lang="ko-KR" altLang="en-US"/>
           </a:p>
@@ -4131,7 +4043,7 @@
             <a:fld id="{E7DD02DF-752E-41D6-9262-3727A5B796EF}" type="datetimeFigureOut">
               <a:rPr lang="ko-KR" altLang="en-US" smtClean="0"/>
               <a:pPr/>
-              <a:t>2018-05-17</a:t>
+              <a:t>2018-05-31</a:t>
             </a:fld>
             <a:endParaRPr lang="ko-KR" altLang="en-US"/>
           </a:p>
@@ -4223,7 +4135,7 @@
             <a:fld id="{E7DD02DF-752E-41D6-9262-3727A5B796EF}" type="datetimeFigureOut">
               <a:rPr lang="ko-KR" altLang="en-US" smtClean="0"/>
               <a:pPr/>
-              <a:t>2018-05-17</a:t>
+              <a:t>2018-05-31</a:t>
             </a:fld>
             <a:endParaRPr lang="ko-KR" altLang="en-US"/>
           </a:p>
@@ -4495,7 +4407,7 @@
             <a:fld id="{E7DD02DF-752E-41D6-9262-3727A5B796EF}" type="datetimeFigureOut">
               <a:rPr lang="ko-KR" altLang="en-US" smtClean="0"/>
               <a:pPr/>
-              <a:t>2018-05-17</a:t>
+              <a:t>2018-05-31</a:t>
             </a:fld>
             <a:endParaRPr lang="ko-KR" altLang="en-US"/>
           </a:p>
@@ -4744,7 +4656,7 @@
             <a:fld id="{E7DD02DF-752E-41D6-9262-3727A5B796EF}" type="datetimeFigureOut">
               <a:rPr lang="ko-KR" altLang="en-US" smtClean="0"/>
               <a:pPr/>
-              <a:t>2018-05-17</a:t>
+              <a:t>2018-05-31</a:t>
             </a:fld>
             <a:endParaRPr lang="ko-KR" altLang="en-US"/>
           </a:p>
@@ -4955,7 +4867,7 @@
             <a:fld id="{E7DD02DF-752E-41D6-9262-3727A5B796EF}" type="datetimeFigureOut">
               <a:rPr lang="ko-KR" altLang="en-US" smtClean="0"/>
               <a:pPr/>
-              <a:t>2018-05-17</a:t>
+              <a:t>2018-05-31</a:t>
             </a:fld>
             <a:endParaRPr lang="ko-KR" altLang="en-US"/>
           </a:p>
@@ -5812,718 +5724,6 @@
       </p:grpSpPr>
       <p:sp>
         <p:nvSpPr>
-          <p:cNvPr id="46" name="직사각형 45"/>
-          <p:cNvSpPr/>
-          <p:nvPr/>
-        </p:nvSpPr>
-        <p:spPr>
-          <a:xfrm>
-            <a:off x="1979712" y="428604"/>
-            <a:ext cx="7200800" cy="120076"/>
-          </a:xfrm>
-          <a:prstGeom prst="rect">
-            <a:avLst/>
-          </a:prstGeom>
-          <a:solidFill>
-            <a:schemeClr val="tx2">
-              <a:lumMod val="40000"/>
-              <a:lumOff val="60000"/>
-            </a:schemeClr>
-          </a:solidFill>
-          <a:ln>
-            <a:noFill/>
-          </a:ln>
-        </p:spPr>
-        <p:style>
-          <a:lnRef idx="2">
-            <a:schemeClr val="accent1">
-              <a:shade val="50000"/>
-            </a:schemeClr>
-          </a:lnRef>
-          <a:fillRef idx="1">
-            <a:schemeClr val="accent1"/>
-          </a:fillRef>
-          <a:effectRef idx="0">
-            <a:schemeClr val="accent1"/>
-          </a:effectRef>
-          <a:fontRef idx="minor">
-            <a:schemeClr val="lt1"/>
-          </a:fontRef>
-        </p:style>
-        <p:txBody>
-          <a:bodyPr rtlCol="0" anchor="ctr"/>
-          <a:lstStyle/>
-          <a:p>
-            <a:pPr algn="ctr"/>
-            <a:endParaRPr lang="ko-KR" altLang="en-US"/>
-          </a:p>
-        </p:txBody>
-      </p:sp>
-      <p:sp>
-        <p:nvSpPr>
-          <p:cNvPr id="47" name="TextBox 46"/>
-          <p:cNvSpPr txBox="1"/>
-          <p:nvPr/>
-        </p:nvSpPr>
-        <p:spPr>
-          <a:xfrm>
-            <a:off x="73739" y="191804"/>
-            <a:ext cx="1386918" cy="584775"/>
-          </a:xfrm>
-          <a:prstGeom prst="rect">
-            <a:avLst/>
-          </a:prstGeom>
-          <a:noFill/>
-        </p:spPr>
-        <p:txBody>
-          <a:bodyPr wrap="none" rtlCol="0">
-            <a:spAutoFit/>
-            <a:scene3d>
-              <a:camera prst="orthographicFront">
-                <a:rot lat="0" lon="0" rev="0"/>
-              </a:camera>
-              <a:lightRig rig="contrasting" dir="t">
-                <a:rot lat="0" lon="0" rev="4500000"/>
-              </a:lightRig>
-            </a:scene3d>
-            <a:sp3d contourW="6350" prstMaterial="metal">
-              <a:bevelT w="127000" h="31750" prst="relaxedInset"/>
-              <a:contourClr>
-                <a:schemeClr val="accent1">
-                  <a:shade val="75000"/>
-                </a:schemeClr>
-              </a:contourClr>
-            </a:sp3d>
-          </a:bodyPr>
-          <a:lstStyle/>
-          <a:p>
-            <a:r>
-              <a:rPr lang="en-US" altLang="ko-KR" sz="3200" b="1" cap="all" dirty="0">
-                <a:ln w="0"/>
-                <a:gradFill flip="none">
-                  <a:gsLst>
-                    <a:gs pos="0">
-                      <a:schemeClr val="accent1">
-                        <a:tint val="75000"/>
-                        <a:shade val="75000"/>
-                        <a:satMod val="170000"/>
-                      </a:schemeClr>
-                    </a:gs>
-                    <a:gs pos="49000">
-                      <a:schemeClr val="accent1">
-                        <a:tint val="88000"/>
-                        <a:shade val="65000"/>
-                        <a:satMod val="172000"/>
-                      </a:schemeClr>
-                    </a:gs>
-                    <a:gs pos="50000">
-                      <a:schemeClr val="accent1">
-                        <a:shade val="65000"/>
-                        <a:satMod val="130000"/>
-                      </a:schemeClr>
-                    </a:gs>
-                    <a:gs pos="92000">
-                      <a:schemeClr val="accent1">
-                        <a:shade val="50000"/>
-                        <a:satMod val="120000"/>
-                      </a:schemeClr>
-                    </a:gs>
-                    <a:gs pos="100000">
-                      <a:schemeClr val="accent1">
-                        <a:shade val="48000"/>
-                        <a:satMod val="120000"/>
-                      </a:schemeClr>
-                    </a:gs>
-                  </a:gsLst>
-                  <a:lin ang="5400000"/>
-                </a:gradFill>
-                <a:effectLst>
-                  <a:reflection blurRad="12700" stA="50000" endPos="50000" dist="5000" dir="5400000" sy="-100000" rotWithShape="0"/>
-                </a:effectLst>
-              </a:rPr>
-              <a:t>1 </a:t>
-            </a:r>
-            <a:r>
-              <a:rPr lang="ko-KR" altLang="en-US" sz="3200" b="1" cap="all" dirty="0">
-                <a:ln w="0"/>
-                <a:gradFill flip="none">
-                  <a:gsLst>
-                    <a:gs pos="0">
-                      <a:schemeClr val="accent1">
-                        <a:tint val="75000"/>
-                        <a:shade val="75000"/>
-                        <a:satMod val="170000"/>
-                      </a:schemeClr>
-                    </a:gs>
-                    <a:gs pos="49000">
-                      <a:schemeClr val="accent1">
-                        <a:tint val="88000"/>
-                        <a:shade val="65000"/>
-                        <a:satMod val="172000"/>
-                      </a:schemeClr>
-                    </a:gs>
-                    <a:gs pos="50000">
-                      <a:schemeClr val="accent1">
-                        <a:shade val="65000"/>
-                        <a:satMod val="130000"/>
-                      </a:schemeClr>
-                    </a:gs>
-                    <a:gs pos="92000">
-                      <a:schemeClr val="accent1">
-                        <a:shade val="50000"/>
-                        <a:satMod val="120000"/>
-                      </a:schemeClr>
-                    </a:gs>
-                    <a:gs pos="100000">
-                      <a:schemeClr val="accent1">
-                        <a:shade val="48000"/>
-                        <a:satMod val="120000"/>
-                      </a:schemeClr>
-                    </a:gs>
-                  </a:gsLst>
-                  <a:lin ang="5400000"/>
-                </a:gradFill>
-                <a:effectLst>
-                  <a:reflection blurRad="12700" stA="50000" endPos="50000" dist="5000" dir="5400000" sy="-100000" rotWithShape="0"/>
-                </a:effectLst>
-              </a:rPr>
-              <a:t>개요</a:t>
-            </a:r>
-          </a:p>
-        </p:txBody>
-      </p:sp>
-      <p:sp>
-        <p:nvSpPr>
-          <p:cNvPr id="2" name="직사각형 1"/>
-          <p:cNvSpPr/>
-          <p:nvPr/>
-        </p:nvSpPr>
-        <p:spPr>
-          <a:xfrm>
-            <a:off x="1835696" y="1268760"/>
-            <a:ext cx="5400600" cy="4878259"/>
-          </a:xfrm>
-          <a:prstGeom prst="rect">
-            <a:avLst/>
-          </a:prstGeom>
-        </p:spPr>
-        <p:txBody>
-          <a:bodyPr wrap="square">
-            <a:spAutoFit/>
-          </a:bodyPr>
-          <a:lstStyle/>
-          <a:p>
-            <a:pPr marL="342900" indent="-342900">
-              <a:buNone/>
-              <a:defRPr/>
-            </a:pPr>
-            <a:r>
-              <a:rPr lang="en-US" altLang="ko-KR" sz="2000" dirty="0">
-                <a:ln w="9525">
-                  <a:solidFill>
-                    <a:schemeClr val="bg1">
-                      <a:alpha val="0"/>
-                    </a:schemeClr>
-                  </a:solidFill>
-                </a:ln>
-                <a:solidFill>
-                  <a:schemeClr val="bg2">
-                    <a:lumMod val="25000"/>
-                  </a:schemeClr>
-                </a:solidFill>
-                <a:latin typeface="+mj-lt"/>
-                <a:ea typeface="08서울남산체 M"/>
-                <a:cs typeface="Arial"/>
-              </a:rPr>
-              <a:t>1.</a:t>
-            </a:r>
-            <a:r>
-              <a:rPr lang="ko-KR" altLang="en-US" sz="2000" dirty="0">
-                <a:ln w="9525">
-                  <a:solidFill>
-                    <a:schemeClr val="bg1">
-                      <a:alpha val="0"/>
-                    </a:schemeClr>
-                  </a:solidFill>
-                </a:ln>
-                <a:solidFill>
-                  <a:schemeClr val="bg2">
-                    <a:lumMod val="25000"/>
-                  </a:schemeClr>
-                </a:solidFill>
-                <a:latin typeface="+mj-lt"/>
-                <a:ea typeface="08서울남산체 M"/>
-                <a:cs typeface="Arial"/>
-              </a:rPr>
-              <a:t> 배경</a:t>
-            </a:r>
-          </a:p>
-          <a:p>
-            <a:pPr marL="657400" indent="-314500">
-              <a:buAutoNum type="arabicParenR"/>
-              <a:defRPr/>
-            </a:pPr>
-            <a:r>
-              <a:rPr lang="ko-KR" altLang="en-US" sz="2000" dirty="0">
-                <a:ln w="9525">
-                  <a:solidFill>
-                    <a:schemeClr val="bg1">
-                      <a:alpha val="0"/>
-                    </a:schemeClr>
-                  </a:solidFill>
-                </a:ln>
-                <a:solidFill>
-                  <a:schemeClr val="bg2">
-                    <a:lumMod val="25000"/>
-                  </a:schemeClr>
-                </a:solidFill>
-                <a:latin typeface="+mj-lt"/>
-                <a:ea typeface="08서울남산체 M"/>
-                <a:cs typeface="Arial"/>
-              </a:rPr>
-              <a:t>한글과 맞춤법에 대한 정확한 이해 필요</a:t>
-            </a:r>
-          </a:p>
-          <a:p>
-            <a:pPr marL="657400" indent="-314500">
-              <a:buAutoNum type="arabicParenR"/>
-              <a:defRPr/>
-            </a:pPr>
-            <a:r>
-              <a:rPr lang="ko-KR" altLang="en-US" sz="2000" dirty="0">
-                <a:ln w="9525">
-                  <a:solidFill>
-                    <a:schemeClr val="bg1">
-                      <a:alpha val="0"/>
-                    </a:schemeClr>
-                  </a:solidFill>
-                </a:ln>
-                <a:solidFill>
-                  <a:schemeClr val="bg2">
-                    <a:lumMod val="25000"/>
-                  </a:schemeClr>
-                </a:solidFill>
-                <a:latin typeface="+mj-lt"/>
-                <a:ea typeface="08서울남산체 M"/>
-                <a:cs typeface="Arial"/>
-              </a:rPr>
-              <a:t>게임을 통한 친숙한 접근</a:t>
-            </a:r>
-          </a:p>
-          <a:p>
-            <a:pPr marL="657400" indent="-314500">
-              <a:buAutoNum type="arabicPeriod"/>
-              <a:defRPr/>
-            </a:pPr>
-            <a:endParaRPr lang="ko-KR" altLang="en-US" sz="2000" dirty="0">
-              <a:ln w="9525">
-                <a:solidFill>
-                  <a:schemeClr val="bg1">
-                    <a:alpha val="0"/>
-                  </a:schemeClr>
-                </a:solidFill>
-              </a:ln>
-              <a:solidFill>
-                <a:schemeClr val="bg2">
-                  <a:lumMod val="25000"/>
-                </a:schemeClr>
-              </a:solidFill>
-              <a:latin typeface="+mj-lt"/>
-              <a:ea typeface="08서울남산체 M"/>
-              <a:cs typeface="Arial"/>
-            </a:endParaRPr>
-          </a:p>
-          <a:p>
-            <a:pPr marL="342900" indent="-342900">
-              <a:buNone/>
-              <a:defRPr/>
-            </a:pPr>
-            <a:r>
-              <a:rPr lang="en-US" altLang="ko-KR" sz="2000" dirty="0">
-                <a:ln w="9525">
-                  <a:solidFill>
-                    <a:schemeClr val="bg1">
-                      <a:alpha val="0"/>
-                    </a:schemeClr>
-                  </a:solidFill>
-                </a:ln>
-                <a:solidFill>
-                  <a:schemeClr val="bg2">
-                    <a:lumMod val="25000"/>
-                  </a:schemeClr>
-                </a:solidFill>
-                <a:latin typeface="+mj-lt"/>
-                <a:ea typeface="08서울남산체 M"/>
-                <a:cs typeface="Arial"/>
-              </a:rPr>
-              <a:t>2.</a:t>
-            </a:r>
-            <a:r>
-              <a:rPr lang="ko-KR" altLang="en-US" sz="2000" dirty="0">
-                <a:ln w="9525">
-                  <a:solidFill>
-                    <a:schemeClr val="bg1">
-                      <a:alpha val="0"/>
-                    </a:schemeClr>
-                  </a:solidFill>
-                </a:ln>
-                <a:solidFill>
-                  <a:schemeClr val="bg2">
-                    <a:lumMod val="25000"/>
-                  </a:schemeClr>
-                </a:solidFill>
-                <a:latin typeface="+mj-lt"/>
-                <a:ea typeface="08서울남산체 M"/>
-                <a:cs typeface="Arial"/>
-              </a:rPr>
-              <a:t> 목표 </a:t>
-            </a:r>
-          </a:p>
-          <a:p>
-            <a:pPr marL="657400" indent="-314500">
-              <a:buAutoNum type="arabicParenR"/>
-              <a:defRPr/>
-            </a:pPr>
-            <a:r>
-              <a:rPr lang="ko-KR" altLang="en-US" sz="2000" dirty="0">
-                <a:ln w="9525">
-                  <a:solidFill>
-                    <a:schemeClr val="bg1">
-                      <a:alpha val="0"/>
-                    </a:schemeClr>
-                  </a:solidFill>
-                </a:ln>
-                <a:solidFill>
-                  <a:schemeClr val="bg2">
-                    <a:lumMod val="25000"/>
-                  </a:schemeClr>
-                </a:solidFill>
-                <a:latin typeface="+mj-lt"/>
-                <a:ea typeface="08서울남산체 M"/>
-                <a:cs typeface="Arial"/>
-              </a:rPr>
-              <a:t>기존의 초성 게임과 다른 훈민정음 게임</a:t>
-            </a:r>
-          </a:p>
-          <a:p>
-            <a:pPr marL="657400" indent="-314500">
-              <a:buAutoNum type="arabicParenR"/>
-              <a:defRPr/>
-            </a:pPr>
-            <a:r>
-              <a:rPr lang="ko-KR" altLang="en-US" sz="2000" dirty="0">
-                <a:ln w="9525">
-                  <a:solidFill>
-                    <a:schemeClr val="bg1">
-                      <a:alpha val="0"/>
-                    </a:schemeClr>
-                  </a:solidFill>
-                </a:ln>
-                <a:solidFill>
-                  <a:schemeClr val="bg2">
-                    <a:lumMod val="25000"/>
-                  </a:schemeClr>
-                </a:solidFill>
-                <a:latin typeface="+mj-lt"/>
-                <a:ea typeface="08서울남산체 M"/>
-                <a:cs typeface="Arial"/>
-              </a:rPr>
-              <a:t>직접 문장을 구성하고 맞춤법을</a:t>
-            </a:r>
-            <a:r>
-              <a:rPr lang="en-US" altLang="ko-KR" sz="2000" dirty="0">
-                <a:ln w="9525">
-                  <a:solidFill>
-                    <a:schemeClr val="bg1">
-                      <a:alpha val="0"/>
-                    </a:schemeClr>
-                  </a:solidFill>
-                </a:ln>
-                <a:solidFill>
-                  <a:schemeClr val="bg2">
-                    <a:lumMod val="25000"/>
-                  </a:schemeClr>
-                </a:solidFill>
-                <a:latin typeface="+mj-lt"/>
-                <a:ea typeface="08서울남산체 M"/>
-                <a:cs typeface="Arial"/>
-              </a:rPr>
-              <a:t> </a:t>
-            </a:r>
-            <a:r>
-              <a:rPr lang="ko-KR" altLang="en-US" sz="2000" dirty="0">
-                <a:ln w="9525">
-                  <a:solidFill>
-                    <a:schemeClr val="bg1">
-                      <a:alpha val="0"/>
-                    </a:schemeClr>
-                  </a:solidFill>
-                </a:ln>
-                <a:solidFill>
-                  <a:schemeClr val="bg2">
-                    <a:lumMod val="25000"/>
-                  </a:schemeClr>
-                </a:solidFill>
-                <a:latin typeface="+mj-lt"/>
-                <a:ea typeface="08서울남산체 M"/>
-                <a:cs typeface="Arial"/>
-              </a:rPr>
-              <a:t>학습할 수 있는 게임</a:t>
-            </a:r>
-          </a:p>
-          <a:p>
-            <a:pPr marL="657400" indent="-314500">
-              <a:buAutoNum type="arabicParenR"/>
-              <a:defRPr/>
-            </a:pPr>
-            <a:r>
-              <a:rPr lang="ko-KR" altLang="en-US" sz="2000" dirty="0">
-                <a:ln w="9525">
-                  <a:solidFill>
-                    <a:schemeClr val="bg1">
-                      <a:alpha val="0"/>
-                    </a:schemeClr>
-                  </a:solidFill>
-                </a:ln>
-                <a:solidFill>
-                  <a:schemeClr val="bg2">
-                    <a:lumMod val="25000"/>
-                  </a:schemeClr>
-                </a:solidFill>
-                <a:latin typeface="+mj-lt"/>
-                <a:ea typeface="08서울남산체 M"/>
-                <a:cs typeface="Arial"/>
-              </a:rPr>
-              <a:t>다중사용자 모드 지원</a:t>
-            </a:r>
-          </a:p>
-          <a:p>
-            <a:pPr marL="771700" lvl="1" indent="-314500">
-              <a:buAutoNum type="arabicPeriod"/>
-              <a:defRPr/>
-            </a:pPr>
-            <a:endParaRPr lang="en-US" altLang="ko-KR" sz="2000" dirty="0">
-              <a:ln w="9525">
-                <a:solidFill>
-                  <a:schemeClr val="bg1">
-                    <a:alpha val="0"/>
-                  </a:schemeClr>
-                </a:solidFill>
-              </a:ln>
-              <a:solidFill>
-                <a:schemeClr val="bg2">
-                  <a:lumMod val="25000"/>
-                </a:schemeClr>
-              </a:solidFill>
-              <a:latin typeface="+mj-lt"/>
-              <a:ea typeface="08서울남산체 M"/>
-              <a:cs typeface="Arial"/>
-            </a:endParaRPr>
-          </a:p>
-          <a:p>
-            <a:pPr marL="342900" indent="-342900">
-              <a:buNone/>
-              <a:defRPr/>
-            </a:pPr>
-            <a:r>
-              <a:rPr lang="en-US" altLang="ko-KR" sz="2000" dirty="0">
-                <a:ln w="9525">
-                  <a:solidFill>
-                    <a:schemeClr val="bg1">
-                      <a:alpha val="0"/>
-                    </a:schemeClr>
-                  </a:solidFill>
-                </a:ln>
-                <a:solidFill>
-                  <a:schemeClr val="bg2">
-                    <a:lumMod val="25000"/>
-                  </a:schemeClr>
-                </a:solidFill>
-                <a:latin typeface="+mj-lt"/>
-                <a:ea typeface="08서울남산체 M"/>
-                <a:cs typeface="Arial"/>
-              </a:rPr>
-              <a:t>3.</a:t>
-            </a:r>
-            <a:r>
-              <a:rPr lang="ko-KR" altLang="en-US" sz="2000" dirty="0">
-                <a:ln w="9525">
-                  <a:solidFill>
-                    <a:schemeClr val="bg1">
-                      <a:alpha val="0"/>
-                    </a:schemeClr>
-                  </a:solidFill>
-                </a:ln>
-                <a:solidFill>
-                  <a:schemeClr val="bg2">
-                    <a:lumMod val="25000"/>
-                  </a:schemeClr>
-                </a:solidFill>
-                <a:latin typeface="+mj-lt"/>
-                <a:ea typeface="08서울남산체 M"/>
-                <a:cs typeface="Arial"/>
-              </a:rPr>
-              <a:t> 효과</a:t>
-            </a:r>
-          </a:p>
-          <a:p>
-            <a:pPr marL="657400" indent="-314500">
-              <a:buAutoNum type="arabicParenR"/>
-              <a:defRPr/>
-            </a:pPr>
-            <a:r>
-              <a:rPr lang="ko-KR" altLang="en-US" sz="2000" dirty="0">
-                <a:ln w="9525">
-                  <a:solidFill>
-                    <a:schemeClr val="bg1">
-                      <a:alpha val="0"/>
-                    </a:schemeClr>
-                  </a:solidFill>
-                </a:ln>
-                <a:solidFill>
-                  <a:schemeClr val="bg2">
-                    <a:lumMod val="25000"/>
-                  </a:schemeClr>
-                </a:solidFill>
-                <a:latin typeface="+mj-lt"/>
-                <a:ea typeface="08서울남산체 M"/>
-                <a:cs typeface="Arial"/>
-              </a:rPr>
-              <a:t>한글에 대한 인식을 친숙하게 바꿈</a:t>
-            </a:r>
-          </a:p>
-          <a:p>
-            <a:pPr marL="657400" indent="-314500">
-              <a:buAutoNum type="arabicParenR"/>
-              <a:defRPr/>
-            </a:pPr>
-            <a:r>
-              <a:rPr lang="ko-KR" altLang="en-US" sz="2000" dirty="0">
-                <a:ln w="9525">
-                  <a:solidFill>
-                    <a:schemeClr val="bg1">
-                      <a:alpha val="0"/>
-                    </a:schemeClr>
-                  </a:solidFill>
-                </a:ln>
-                <a:solidFill>
-                  <a:schemeClr val="bg2">
-                    <a:lumMod val="25000"/>
-                  </a:schemeClr>
-                </a:solidFill>
-                <a:latin typeface="+mj-lt"/>
-                <a:ea typeface="08서울남산체 M"/>
-                <a:cs typeface="Arial"/>
-              </a:rPr>
-              <a:t>랭킹 도출을 통해 사용자의 성취감 충족</a:t>
-            </a:r>
-          </a:p>
-          <a:p>
-            <a:pPr marL="742950" lvl="1" indent="-285750">
-              <a:buFont typeface="Arial"/>
-              <a:buChar char="•"/>
-              <a:defRPr/>
-            </a:pPr>
-            <a:endParaRPr lang="en-US" altLang="ko-KR" sz="1700" dirty="0">
-              <a:ln w="9525">
-                <a:solidFill>
-                  <a:schemeClr val="bg1">
-                    <a:alpha val="0"/>
-                  </a:schemeClr>
-                </a:solidFill>
-              </a:ln>
-              <a:solidFill>
-                <a:schemeClr val="bg2">
-                  <a:lumMod val="25000"/>
-                </a:schemeClr>
-              </a:solidFill>
-              <a:latin typeface="08서울남산체 M"/>
-              <a:ea typeface="08서울남산체 M"/>
-              <a:cs typeface="Arial"/>
-            </a:endParaRPr>
-          </a:p>
-          <a:p>
-            <a:pPr marL="285750" indent="-285750">
-              <a:buFont typeface="Arial"/>
-              <a:buChar char="•"/>
-              <a:defRPr/>
-            </a:pPr>
-            <a:endParaRPr lang="en-US" altLang="ko-KR" sz="1700" dirty="0">
-              <a:ln w="9525">
-                <a:solidFill>
-                  <a:schemeClr val="bg1">
-                    <a:alpha val="0"/>
-                  </a:schemeClr>
-                </a:solidFill>
-              </a:ln>
-              <a:solidFill>
-                <a:schemeClr val="bg2">
-                  <a:lumMod val="25000"/>
-                </a:schemeClr>
-              </a:solidFill>
-              <a:latin typeface="08서울남산체 M"/>
-              <a:ea typeface="08서울남산체 M"/>
-              <a:cs typeface="Arial"/>
-            </a:endParaRPr>
-          </a:p>
-          <a:p>
-            <a:pPr marL="285750" indent="-285750">
-              <a:buFont typeface="Arial"/>
-              <a:buChar char="•"/>
-              <a:defRPr/>
-            </a:pPr>
-            <a:endParaRPr lang="en-US" altLang="ko-KR" sz="1700" dirty="0">
-              <a:ln w="9525">
-                <a:solidFill>
-                  <a:schemeClr val="bg1">
-                    <a:alpha val="0"/>
-                  </a:schemeClr>
-                </a:solidFill>
-              </a:ln>
-              <a:solidFill>
-                <a:schemeClr val="bg2">
-                  <a:lumMod val="25000"/>
-                </a:schemeClr>
-              </a:solidFill>
-              <a:latin typeface="08서울남산체 M"/>
-              <a:ea typeface="08서울남산체 M"/>
-              <a:cs typeface="Arial"/>
-            </a:endParaRPr>
-          </a:p>
-        </p:txBody>
-      </p:sp>
-    </p:spTree>
-    <p:extLst>
-      <p:ext uri="{BB962C8B-B14F-4D97-AF65-F5344CB8AC3E}">
-        <p14:creationId xmlns:p14="http://schemas.microsoft.com/office/powerpoint/2010/main" val="3027822332"/>
-      </p:ext>
-    </p:extLst>
-  </p:cSld>
-  <p:clrMapOvr>
-    <a:masterClrMapping/>
-  </p:clrMapOvr>
-</p:sld>
-</file>
-
-<file path=ppt/slides/slide11.xml><?xml version="1.0" encoding="utf-8"?>
-<p:sld xmlns:a="http://schemas.openxmlformats.org/drawingml/2006/main" xmlns:r="http://schemas.openxmlformats.org/officeDocument/2006/relationships" xmlns:p="http://schemas.openxmlformats.org/presentationml/2006/main">
-  <p:cSld>
-    <p:spTree>
-      <p:nvGrpSpPr>
-        <p:cNvPr id="1" name=""/>
-        <p:cNvGrpSpPr/>
-        <p:nvPr/>
-      </p:nvGrpSpPr>
-      <p:grpSpPr>
-        <a:xfrm>
-          <a:off x="0" y="0"/>
-          <a:ext cx="0" cy="0"/>
-          <a:chOff x="0" y="0"/>
-          <a:chExt cx="0" cy="0"/>
-        </a:xfrm>
-      </p:grpSpPr>
-      <p:sp>
-        <p:nvSpPr>
           <p:cNvPr id="3" name="직사각형 2"/>
           <p:cNvSpPr/>
           <p:nvPr/>
@@ -7980,7 +7180,7 @@
 </p:sld>
 </file>
 
-<file path=ppt/slides/slide12.xml><?xml version="1.0" encoding="utf-8"?>
+<file path=ppt/slides/slide11.xml><?xml version="1.0" encoding="utf-8"?>
 <p:sld xmlns:a="http://schemas.openxmlformats.org/drawingml/2006/main" xmlns:r="http://schemas.openxmlformats.org/officeDocument/2006/relationships" xmlns:p="http://schemas.openxmlformats.org/presentationml/2006/main">
   <p:cSld>
     <p:spTree>
@@ -8404,7 +7604,7 @@
 </p:sld>
 </file>
 
-<file path=ppt/slides/slide13.xml><?xml version="1.0" encoding="utf-8"?>
+<file path=ppt/slides/slide12.xml><?xml version="1.0" encoding="utf-8"?>
 <p:sld xmlns:a="http://schemas.openxmlformats.org/drawingml/2006/main" xmlns:r="http://schemas.openxmlformats.org/officeDocument/2006/relationships" xmlns:p="http://schemas.openxmlformats.org/presentationml/2006/main">
   <p:cSld>
     <p:spTree>
@@ -8762,7 +7962,7 @@
 </p:sld>
 </file>
 
-<file path=ppt/slides/slide14.xml><?xml version="1.0" encoding="utf-8"?>
+<file path=ppt/slides/slide13.xml><?xml version="1.0" encoding="utf-8"?>
 <p:sld xmlns:a="http://schemas.openxmlformats.org/drawingml/2006/main" xmlns:r="http://schemas.openxmlformats.org/officeDocument/2006/relationships" xmlns:p="http://schemas.openxmlformats.org/presentationml/2006/main">
   <p:cSld>
     <p:spTree>
@@ -9162,7 +8362,7 @@
 </p:sld>
 </file>
 
-<file path=ppt/slides/slide15.xml><?xml version="1.0" encoding="utf-8"?>
+<file path=ppt/slides/slide14.xml><?xml version="1.0" encoding="utf-8"?>
 <p:sld xmlns:a="http://schemas.openxmlformats.org/drawingml/2006/main" xmlns:r="http://schemas.openxmlformats.org/officeDocument/2006/relationships" xmlns:p="http://schemas.openxmlformats.org/presentationml/2006/main">
   <p:cSld>
     <p:spTree>
@@ -9526,7 +8726,7 @@
 </p:sld>
 </file>
 
-<file path=ppt/slides/slide16.xml><?xml version="1.0" encoding="utf-8"?>
+<file path=ppt/slides/slide15.xml><?xml version="1.0" encoding="utf-8"?>
 <p:sld xmlns:a="http://schemas.openxmlformats.org/drawingml/2006/main" xmlns:r="http://schemas.openxmlformats.org/officeDocument/2006/relationships" xmlns:p="http://schemas.openxmlformats.org/presentationml/2006/main">
   <p:cSld>
     <p:spTree>
@@ -9890,7 +9090,7 @@
 </p:sld>
 </file>
 
-<file path=ppt/slides/slide17.xml><?xml version="1.0" encoding="utf-8"?>
+<file path=ppt/slides/slide16.xml><?xml version="1.0" encoding="utf-8"?>
 <p:sld xmlns:a="http://schemas.openxmlformats.org/drawingml/2006/main" xmlns:r="http://schemas.openxmlformats.org/officeDocument/2006/relationships" xmlns:p="http://schemas.openxmlformats.org/presentationml/2006/main">
   <p:cSld>
     <p:spTree>
@@ -10700,7 +9900,7 @@
 </p:sld>
 </file>
 
-<file path=ppt/slides/slide18.xml><?xml version="1.0" encoding="utf-8"?>
+<file path=ppt/slides/slide17.xml><?xml version="1.0" encoding="utf-8"?>
 <p:sld xmlns:a="http://schemas.openxmlformats.org/drawingml/2006/main" xmlns:r="http://schemas.openxmlformats.org/officeDocument/2006/relationships" xmlns:p="http://schemas.openxmlformats.org/presentationml/2006/main">
   <p:cSld>
     <p:spTree>
@@ -11132,7 +10332,7 @@
 </p:sld>
 </file>
 
-<file path=ppt/slides/slide19.xml><?xml version="1.0" encoding="utf-8"?>
+<file path=ppt/slides/slide18.xml><?xml version="1.0" encoding="utf-8"?>
 <p:sld xmlns:a="http://schemas.openxmlformats.org/drawingml/2006/main" xmlns:r="http://schemas.openxmlformats.org/officeDocument/2006/relationships" xmlns:p="http://schemas.openxmlformats.org/presentationml/2006/main">
   <p:cSld>
     <p:spTree>
@@ -11339,7 +10539,7 @@
         </p:nvSpPr>
         <p:spPr>
           <a:xfrm>
-            <a:off x="2717908" y="827902"/>
+            <a:off x="2735796" y="629002"/>
             <a:ext cx="3816424" cy="830997"/>
           </a:xfrm>
           <a:prstGeom prst="rect">
@@ -11759,1068 +10959,7 @@
 </p:sld>
 </file>
 
-<file path=ppt/slides/slide2.xml><?xml version="1.0" encoding="utf-8"?>
-<p:sld xmlns:a="http://schemas.openxmlformats.org/drawingml/2006/main" xmlns:r="http://schemas.openxmlformats.org/officeDocument/2006/relationships" xmlns:p="http://schemas.openxmlformats.org/presentationml/2006/main">
-  <p:cSld>
-    <p:bg>
-      <p:bgPr>
-        <a:solidFill>
-          <a:schemeClr val="bg1"/>
-        </a:solidFill>
-        <a:effectLst/>
-      </p:bgPr>
-    </p:bg>
-    <p:spTree>
-      <p:nvGrpSpPr>
-        <p:cNvPr id="1" name=""/>
-        <p:cNvGrpSpPr/>
-        <p:nvPr/>
-      </p:nvGrpSpPr>
-      <p:grpSpPr>
-        <a:xfrm>
-          <a:off x="0" y="0"/>
-          <a:ext cx="0" cy="0"/>
-          <a:chOff x="0" y="0"/>
-          <a:chExt cx="0" cy="0"/>
-        </a:xfrm>
-      </p:grpSpPr>
-      <p:sp>
-        <p:nvSpPr>
-          <p:cNvPr id="39" name="타원 38"/>
-          <p:cNvSpPr/>
-          <p:nvPr/>
-        </p:nvSpPr>
-        <p:spPr>
-          <a:xfrm>
-            <a:off x="1043608" y="2204864"/>
-            <a:ext cx="2232248" cy="2232248"/>
-          </a:xfrm>
-          <a:prstGeom prst="ellipse">
-            <a:avLst/>
-          </a:prstGeom>
-          <a:solidFill>
-            <a:schemeClr val="accent5">
-              <a:lumMod val="75000"/>
-              <a:alpha val="75000"/>
-            </a:schemeClr>
-          </a:solidFill>
-          <a:ln>
-            <a:noFill/>
-          </a:ln>
-          <a:effectLst/>
-          <a:scene3d>
-            <a:camera prst="orthographicFront"/>
-            <a:lightRig rig="balanced" dir="t"/>
-          </a:scene3d>
-          <a:sp3d prstMaterial="softEdge">
-            <a:bevelT/>
-          </a:sp3d>
-        </p:spPr>
-        <p:style>
-          <a:lnRef idx="2">
-            <a:schemeClr val="accent1">
-              <a:shade val="50000"/>
-            </a:schemeClr>
-          </a:lnRef>
-          <a:fillRef idx="1">
-            <a:schemeClr val="accent1"/>
-          </a:fillRef>
-          <a:effectRef idx="0">
-            <a:schemeClr val="accent1"/>
-          </a:effectRef>
-          <a:fontRef idx="minor">
-            <a:schemeClr val="lt1"/>
-          </a:fontRef>
-        </p:style>
-        <p:txBody>
-          <a:bodyPr rtlCol="0" anchor="ctr"/>
-          <a:lstStyle/>
-          <a:p>
-            <a:pPr algn="ctr"/>
-            <a:endParaRPr lang="ko-KR" altLang="en-US" b="1"/>
-          </a:p>
-        </p:txBody>
-      </p:sp>
-      <p:sp>
-        <p:nvSpPr>
-          <p:cNvPr id="4" name="TextBox 3"/>
-          <p:cNvSpPr txBox="1"/>
-          <p:nvPr/>
-        </p:nvSpPr>
-        <p:spPr>
-          <a:xfrm>
-            <a:off x="1128293" y="2721317"/>
-            <a:ext cx="1994264" cy="896720"/>
-          </a:xfrm>
-          <a:prstGeom prst="rect">
-            <a:avLst/>
-          </a:prstGeom>
-          <a:noFill/>
-        </p:spPr>
-        <p:txBody>
-          <a:bodyPr wrap="none" rtlCol="0">
-            <a:spAutoFit/>
-          </a:bodyPr>
-          <a:lstStyle/>
-          <a:p>
-            <a:pPr>
-              <a:lnSpc>
-                <a:spcPct val="150000"/>
-              </a:lnSpc>
-            </a:pPr>
-            <a:r>
-              <a:rPr lang="en-US" altLang="ko-KR" sz="4000" b="1" dirty="0">
-                <a:solidFill>
-                  <a:schemeClr val="bg1"/>
-                </a:solidFill>
-                <a:ea typeface="나눔고딕 ExtraBold" pitchFamily="50" charset="-127"/>
-              </a:rPr>
-              <a:t>C</a:t>
-            </a:r>
-            <a:r>
-              <a:rPr lang="en-US" altLang="ko-KR" sz="3200" b="1" dirty="0">
-                <a:solidFill>
-                  <a:schemeClr val="bg1"/>
-                </a:solidFill>
-                <a:ea typeface="나눔고딕 ExtraBold" pitchFamily="50" charset="-127"/>
-              </a:rPr>
-              <a:t>ontents</a:t>
-            </a:r>
-          </a:p>
-        </p:txBody>
-      </p:sp>
-      <p:sp>
-        <p:nvSpPr>
-          <p:cNvPr id="9" name="직사각형 8"/>
-          <p:cNvSpPr/>
-          <p:nvPr/>
-        </p:nvSpPr>
-        <p:spPr>
-          <a:xfrm>
-            <a:off x="0" y="6381898"/>
-            <a:ext cx="9180512" cy="71438"/>
-          </a:xfrm>
-          <a:prstGeom prst="rect">
-            <a:avLst/>
-          </a:prstGeom>
-          <a:solidFill>
-            <a:schemeClr val="tx2">
-              <a:lumMod val="40000"/>
-              <a:lumOff val="60000"/>
-            </a:schemeClr>
-          </a:solidFill>
-          <a:ln>
-            <a:noFill/>
-          </a:ln>
-        </p:spPr>
-        <p:style>
-          <a:lnRef idx="2">
-            <a:schemeClr val="accent1">
-              <a:shade val="50000"/>
-            </a:schemeClr>
-          </a:lnRef>
-          <a:fillRef idx="1">
-            <a:schemeClr val="accent1"/>
-          </a:fillRef>
-          <a:effectRef idx="0">
-            <a:schemeClr val="accent1"/>
-          </a:effectRef>
-          <a:fontRef idx="minor">
-            <a:schemeClr val="lt1"/>
-          </a:fontRef>
-        </p:style>
-        <p:txBody>
-          <a:bodyPr rtlCol="0" anchor="ctr"/>
-          <a:lstStyle/>
-          <a:p>
-            <a:pPr algn="ctr"/>
-            <a:endParaRPr lang="ko-KR" altLang="en-US" b="1" dirty="0"/>
-          </a:p>
-        </p:txBody>
-      </p:sp>
-      <p:sp>
-        <p:nvSpPr>
-          <p:cNvPr id="10" name="직사각형 9"/>
-          <p:cNvSpPr/>
-          <p:nvPr/>
-        </p:nvSpPr>
-        <p:spPr>
-          <a:xfrm>
-            <a:off x="-36512" y="476672"/>
-            <a:ext cx="9180512" cy="71438"/>
-          </a:xfrm>
-          <a:prstGeom prst="rect">
-            <a:avLst/>
-          </a:prstGeom>
-          <a:solidFill>
-            <a:schemeClr val="tx2">
-              <a:lumMod val="40000"/>
-              <a:lumOff val="60000"/>
-            </a:schemeClr>
-          </a:solidFill>
-          <a:ln>
-            <a:noFill/>
-          </a:ln>
-        </p:spPr>
-        <p:style>
-          <a:lnRef idx="2">
-            <a:schemeClr val="accent1">
-              <a:shade val="50000"/>
-            </a:schemeClr>
-          </a:lnRef>
-          <a:fillRef idx="1">
-            <a:schemeClr val="accent1"/>
-          </a:fillRef>
-          <a:effectRef idx="0">
-            <a:schemeClr val="accent1"/>
-          </a:effectRef>
-          <a:fontRef idx="minor">
-            <a:schemeClr val="lt1"/>
-          </a:fontRef>
-        </p:style>
-        <p:txBody>
-          <a:bodyPr rtlCol="0" anchor="ctr"/>
-          <a:lstStyle/>
-          <a:p>
-            <a:pPr algn="ctr"/>
-            <a:endParaRPr lang="ko-KR" altLang="en-US" b="1" dirty="0"/>
-          </a:p>
-        </p:txBody>
-      </p:sp>
-      <p:sp>
-        <p:nvSpPr>
-          <p:cNvPr id="22" name="타원 21"/>
-          <p:cNvSpPr/>
-          <p:nvPr/>
-        </p:nvSpPr>
-        <p:spPr>
-          <a:xfrm>
-            <a:off x="3369025" y="2383515"/>
-            <a:ext cx="452861" cy="452861"/>
-          </a:xfrm>
-          <a:prstGeom prst="ellipse">
-            <a:avLst/>
-          </a:prstGeom>
-          <a:solidFill>
-            <a:schemeClr val="accent5">
-              <a:lumMod val="75000"/>
-              <a:alpha val="75000"/>
-            </a:schemeClr>
-          </a:solidFill>
-          <a:ln>
-            <a:noFill/>
-          </a:ln>
-          <a:effectLst/>
-          <a:scene3d>
-            <a:camera prst="orthographicFront"/>
-            <a:lightRig rig="balanced" dir="t"/>
-          </a:scene3d>
-          <a:sp3d prstMaterial="softEdge">
-            <a:bevelT/>
-          </a:sp3d>
-        </p:spPr>
-        <p:style>
-          <a:lnRef idx="2">
-            <a:schemeClr val="accent1">
-              <a:shade val="50000"/>
-            </a:schemeClr>
-          </a:lnRef>
-          <a:fillRef idx="1">
-            <a:schemeClr val="accent1"/>
-          </a:fillRef>
-          <a:effectRef idx="0">
-            <a:schemeClr val="accent1"/>
-          </a:effectRef>
-          <a:fontRef idx="minor">
-            <a:schemeClr val="lt1"/>
-          </a:fontRef>
-        </p:style>
-        <p:txBody>
-          <a:bodyPr rtlCol="0" anchor="ctr"/>
-          <a:lstStyle/>
-          <a:p>
-            <a:pPr algn="ctr"/>
-            <a:endParaRPr lang="ko-KR" altLang="en-US" b="1"/>
-          </a:p>
-        </p:txBody>
-      </p:sp>
-      <p:sp>
-        <p:nvSpPr>
-          <p:cNvPr id="23" name="타원 22"/>
-          <p:cNvSpPr/>
-          <p:nvPr/>
-        </p:nvSpPr>
-        <p:spPr>
-          <a:xfrm>
-            <a:off x="3471141" y="3088388"/>
-            <a:ext cx="452861" cy="452861"/>
-          </a:xfrm>
-          <a:prstGeom prst="ellipse">
-            <a:avLst/>
-          </a:prstGeom>
-          <a:solidFill>
-            <a:srgbClr val="CC99FF">
-              <a:alpha val="75000"/>
-            </a:srgbClr>
-          </a:solidFill>
-          <a:ln>
-            <a:noFill/>
-          </a:ln>
-          <a:effectLst/>
-          <a:scene3d>
-            <a:camera prst="orthographicFront"/>
-            <a:lightRig rig="balanced" dir="t"/>
-          </a:scene3d>
-          <a:sp3d prstMaterial="softEdge">
-            <a:bevelT/>
-          </a:sp3d>
-        </p:spPr>
-        <p:style>
-          <a:lnRef idx="2">
-            <a:schemeClr val="accent1">
-              <a:shade val="50000"/>
-            </a:schemeClr>
-          </a:lnRef>
-          <a:fillRef idx="1">
-            <a:schemeClr val="accent1"/>
-          </a:fillRef>
-          <a:effectRef idx="0">
-            <a:schemeClr val="accent1"/>
-          </a:effectRef>
-          <a:fontRef idx="minor">
-            <a:schemeClr val="lt1"/>
-          </a:fontRef>
-        </p:style>
-        <p:txBody>
-          <a:bodyPr rtlCol="0" anchor="ctr"/>
-          <a:lstStyle/>
-          <a:p>
-            <a:pPr algn="ctr"/>
-            <a:endParaRPr lang="ko-KR" altLang="en-US" b="1"/>
-          </a:p>
-        </p:txBody>
-      </p:sp>
-      <p:sp>
-        <p:nvSpPr>
-          <p:cNvPr id="24" name="타원 23"/>
-          <p:cNvSpPr/>
-          <p:nvPr/>
-        </p:nvSpPr>
-        <p:spPr>
-          <a:xfrm>
-            <a:off x="3369025" y="3849858"/>
-            <a:ext cx="452861" cy="452861"/>
-          </a:xfrm>
-          <a:prstGeom prst="ellipse">
-            <a:avLst/>
-          </a:prstGeom>
-          <a:solidFill>
-            <a:srgbClr val="00CC99">
-              <a:alpha val="75000"/>
-            </a:srgbClr>
-          </a:solidFill>
-          <a:ln>
-            <a:noFill/>
-          </a:ln>
-          <a:effectLst/>
-          <a:scene3d>
-            <a:camera prst="orthographicFront"/>
-            <a:lightRig rig="balanced" dir="t"/>
-          </a:scene3d>
-          <a:sp3d prstMaterial="softEdge">
-            <a:bevelT/>
-          </a:sp3d>
-        </p:spPr>
-        <p:style>
-          <a:lnRef idx="2">
-            <a:schemeClr val="accent1">
-              <a:shade val="50000"/>
-            </a:schemeClr>
-          </a:lnRef>
-          <a:fillRef idx="1">
-            <a:schemeClr val="accent1"/>
-          </a:fillRef>
-          <a:effectRef idx="0">
-            <a:schemeClr val="accent1"/>
-          </a:effectRef>
-          <a:fontRef idx="minor">
-            <a:schemeClr val="lt1"/>
-          </a:fontRef>
-        </p:style>
-        <p:txBody>
-          <a:bodyPr rtlCol="0" anchor="ctr"/>
-          <a:lstStyle/>
-          <a:p>
-            <a:pPr algn="ctr"/>
-            <a:endParaRPr lang="ko-KR" altLang="en-US" b="1"/>
-          </a:p>
-        </p:txBody>
-      </p:sp>
-      <p:sp>
-        <p:nvSpPr>
-          <p:cNvPr id="25" name="타원 24"/>
-          <p:cNvSpPr/>
-          <p:nvPr/>
-        </p:nvSpPr>
-        <p:spPr>
-          <a:xfrm>
-            <a:off x="2669696" y="1068109"/>
-            <a:ext cx="452861" cy="452861"/>
-          </a:xfrm>
-          <a:prstGeom prst="ellipse">
-            <a:avLst/>
-          </a:prstGeom>
-          <a:solidFill>
-            <a:srgbClr val="FF7C80">
-              <a:alpha val="75000"/>
-            </a:srgbClr>
-          </a:solidFill>
-          <a:ln>
-            <a:noFill/>
-          </a:ln>
-          <a:effectLst/>
-          <a:scene3d>
-            <a:camera prst="orthographicFront"/>
-            <a:lightRig rig="balanced" dir="t"/>
-          </a:scene3d>
-          <a:sp3d prstMaterial="softEdge">
-            <a:bevelT/>
-          </a:sp3d>
-        </p:spPr>
-        <p:style>
-          <a:lnRef idx="2">
-            <a:schemeClr val="accent1">
-              <a:shade val="50000"/>
-            </a:schemeClr>
-          </a:lnRef>
-          <a:fillRef idx="1">
-            <a:schemeClr val="accent1"/>
-          </a:fillRef>
-          <a:effectRef idx="0">
-            <a:schemeClr val="accent1"/>
-          </a:effectRef>
-          <a:fontRef idx="minor">
-            <a:schemeClr val="lt1"/>
-          </a:fontRef>
-        </p:style>
-        <p:txBody>
-          <a:bodyPr rtlCol="0" anchor="ctr"/>
-          <a:lstStyle/>
-          <a:p>
-            <a:pPr algn="ctr"/>
-            <a:endParaRPr lang="ko-KR" altLang="en-US" b="1"/>
-          </a:p>
-        </p:txBody>
-      </p:sp>
-      <p:sp>
-        <p:nvSpPr>
-          <p:cNvPr id="26" name="타원 25"/>
-          <p:cNvSpPr/>
-          <p:nvPr/>
-        </p:nvSpPr>
-        <p:spPr>
-          <a:xfrm>
-            <a:off x="3099205" y="1678642"/>
-            <a:ext cx="452861" cy="452861"/>
-          </a:xfrm>
-          <a:prstGeom prst="ellipse">
-            <a:avLst/>
-          </a:prstGeom>
-          <a:solidFill>
-            <a:srgbClr val="FFC000">
-              <a:alpha val="75000"/>
-            </a:srgbClr>
-          </a:solidFill>
-          <a:ln>
-            <a:noFill/>
-          </a:ln>
-          <a:effectLst/>
-          <a:scene3d>
-            <a:camera prst="orthographicFront"/>
-            <a:lightRig rig="balanced" dir="t"/>
-          </a:scene3d>
-          <a:sp3d prstMaterial="softEdge">
-            <a:bevelT/>
-          </a:sp3d>
-        </p:spPr>
-        <p:style>
-          <a:lnRef idx="2">
-            <a:schemeClr val="accent1">
-              <a:shade val="50000"/>
-            </a:schemeClr>
-          </a:lnRef>
-          <a:fillRef idx="1">
-            <a:schemeClr val="accent1"/>
-          </a:fillRef>
-          <a:effectRef idx="0">
-            <a:schemeClr val="accent1"/>
-          </a:effectRef>
-          <a:fontRef idx="minor">
-            <a:schemeClr val="lt1"/>
-          </a:fontRef>
-        </p:style>
-        <p:txBody>
-          <a:bodyPr rtlCol="0" anchor="ctr"/>
-          <a:lstStyle/>
-          <a:p>
-            <a:pPr algn="ctr"/>
-            <a:endParaRPr lang="ko-KR" altLang="en-US" b="1"/>
-          </a:p>
-        </p:txBody>
-      </p:sp>
-      <p:sp>
-        <p:nvSpPr>
-          <p:cNvPr id="34" name="직사각형 33"/>
-          <p:cNvSpPr/>
-          <p:nvPr/>
-        </p:nvSpPr>
-        <p:spPr>
-          <a:xfrm>
-            <a:off x="3100823" y="985654"/>
-            <a:ext cx="1442126" cy="507831"/>
-          </a:xfrm>
-          <a:prstGeom prst="rect">
-            <a:avLst/>
-          </a:prstGeom>
-        </p:spPr>
-        <p:txBody>
-          <a:bodyPr wrap="none">
-            <a:spAutoFit/>
-          </a:bodyPr>
-          <a:lstStyle/>
-          <a:p>
-            <a:pPr>
-              <a:lnSpc>
-                <a:spcPct val="150000"/>
-              </a:lnSpc>
-            </a:pPr>
-            <a:r>
-              <a:rPr lang="en-US" altLang="ko-KR" b="1" dirty="0">
-                <a:solidFill>
-                  <a:srgbClr val="0070C0"/>
-                </a:solidFill>
-                <a:ea typeface="나눔고딕" pitchFamily="50" charset="-127"/>
-              </a:rPr>
-              <a:t> </a:t>
-            </a:r>
-            <a:r>
-              <a:rPr lang="en-US" altLang="ko-KR" b="1" dirty="0">
-                <a:solidFill>
-                  <a:srgbClr val="0070C0"/>
-                </a:solidFill>
-                <a:ea typeface="나눔고딕 ExtraBold" pitchFamily="50" charset="-127"/>
-              </a:rPr>
-              <a:t>Part1. </a:t>
-            </a:r>
-            <a:r>
-              <a:rPr lang="ko-KR" altLang="en-US" b="1" dirty="0">
-                <a:solidFill>
-                  <a:srgbClr val="0070C0"/>
-                </a:solidFill>
-                <a:ea typeface="나눔고딕 ExtraBold" pitchFamily="50" charset="-127"/>
-              </a:rPr>
-              <a:t>개요</a:t>
-            </a:r>
-            <a:endParaRPr lang="en-US" altLang="ko-KR" b="1" dirty="0">
-              <a:solidFill>
-                <a:srgbClr val="0070C0"/>
-              </a:solidFill>
-              <a:ea typeface="나눔고딕 ExtraBold" pitchFamily="50" charset="-127"/>
-            </a:endParaRPr>
-          </a:p>
-        </p:txBody>
-      </p:sp>
-      <p:sp>
-        <p:nvSpPr>
-          <p:cNvPr id="35" name="직사각형 34"/>
-          <p:cNvSpPr/>
-          <p:nvPr/>
-        </p:nvSpPr>
-        <p:spPr>
-          <a:xfrm>
-            <a:off x="3697571" y="1716713"/>
-            <a:ext cx="2346220" cy="369332"/>
-          </a:xfrm>
-          <a:prstGeom prst="rect">
-            <a:avLst/>
-          </a:prstGeom>
-        </p:spPr>
-        <p:txBody>
-          <a:bodyPr wrap="none">
-            <a:spAutoFit/>
-          </a:bodyPr>
-          <a:lstStyle/>
-          <a:p>
-            <a:r>
-              <a:rPr lang="en-US" altLang="ko-KR" b="1" dirty="0">
-                <a:solidFill>
-                  <a:srgbClr val="0070C0"/>
-                </a:solidFill>
-                <a:ea typeface="나눔고딕 ExtraBold" pitchFamily="50" charset="-127"/>
-              </a:rPr>
-              <a:t>Part2. </a:t>
-            </a:r>
-            <a:r>
-              <a:rPr lang="ko-KR" altLang="en-US" b="1" dirty="0">
-                <a:solidFill>
-                  <a:srgbClr val="0070C0"/>
-                </a:solidFill>
-                <a:ea typeface="나눔고딕 ExtraBold" pitchFamily="50" charset="-127"/>
-              </a:rPr>
-              <a:t>시스템 구성도</a:t>
-            </a:r>
-            <a:endParaRPr lang="ko-KR" altLang="en-US" b="1" dirty="0"/>
-          </a:p>
-        </p:txBody>
-      </p:sp>
-      <p:sp>
-        <p:nvSpPr>
-          <p:cNvPr id="36" name="직사각형 35"/>
-          <p:cNvSpPr/>
-          <p:nvPr/>
-        </p:nvSpPr>
-        <p:spPr>
-          <a:xfrm>
-            <a:off x="3915055" y="2399460"/>
-            <a:ext cx="3106043" cy="369332"/>
-          </a:xfrm>
-          <a:prstGeom prst="rect">
-            <a:avLst/>
-          </a:prstGeom>
-        </p:spPr>
-        <p:txBody>
-          <a:bodyPr wrap="none">
-            <a:spAutoFit/>
-          </a:bodyPr>
-          <a:lstStyle/>
-          <a:p>
-            <a:r>
-              <a:rPr lang="en-US" altLang="ko-KR" b="1" dirty="0">
-                <a:solidFill>
-                  <a:srgbClr val="0070C0"/>
-                </a:solidFill>
-                <a:ea typeface="나눔고딕 ExtraBold" pitchFamily="50" charset="-127"/>
-              </a:rPr>
-              <a:t>Part3. </a:t>
-            </a:r>
-            <a:r>
-              <a:rPr lang="ko-KR" altLang="en-US" b="1" dirty="0">
-                <a:solidFill>
-                  <a:srgbClr val="0070C0"/>
-                </a:solidFill>
-                <a:ea typeface="나눔고딕 ExtraBold" pitchFamily="50" charset="-127"/>
-              </a:rPr>
-              <a:t>시스템 수행 시나리오</a:t>
-            </a:r>
-            <a:endParaRPr lang="ko-KR" altLang="en-US" b="1" dirty="0"/>
-          </a:p>
-        </p:txBody>
-      </p:sp>
-      <p:sp>
-        <p:nvSpPr>
-          <p:cNvPr id="37" name="직사각형 36"/>
-          <p:cNvSpPr/>
-          <p:nvPr/>
-        </p:nvSpPr>
-        <p:spPr>
-          <a:xfrm>
-            <a:off x="3923928" y="3060902"/>
-            <a:ext cx="3269549" cy="507831"/>
-          </a:xfrm>
-          <a:prstGeom prst="rect">
-            <a:avLst/>
-          </a:prstGeom>
-        </p:spPr>
-        <p:txBody>
-          <a:bodyPr wrap="none">
-            <a:spAutoFit/>
-          </a:bodyPr>
-          <a:lstStyle/>
-          <a:p>
-            <a:pPr>
-              <a:lnSpc>
-                <a:spcPct val="150000"/>
-              </a:lnSpc>
-            </a:pPr>
-            <a:r>
-              <a:rPr lang="en-US" altLang="ko-KR" b="1" dirty="0">
-                <a:solidFill>
-                  <a:srgbClr val="0070C0"/>
-                </a:solidFill>
-                <a:ea typeface="나눔고딕 ExtraBold" pitchFamily="50" charset="-127"/>
-              </a:rPr>
-              <a:t> Part4. </a:t>
-            </a:r>
-            <a:r>
-              <a:rPr lang="ko-KR" altLang="en-US" b="1" dirty="0">
-                <a:solidFill>
-                  <a:srgbClr val="0070C0"/>
-                </a:solidFill>
-                <a:ea typeface="나눔고딕 ExtraBold" pitchFamily="50" charset="-127"/>
-              </a:rPr>
-              <a:t>개발 환경 및 개발방법</a:t>
-            </a:r>
-            <a:endParaRPr lang="en-US" altLang="ko-KR" b="1" dirty="0">
-              <a:solidFill>
-                <a:schemeClr val="bg1">
-                  <a:lumMod val="50000"/>
-                </a:schemeClr>
-              </a:solidFill>
-              <a:ea typeface="나눔고딕" pitchFamily="50" charset="-127"/>
-            </a:endParaRPr>
-          </a:p>
-        </p:txBody>
-      </p:sp>
-      <p:sp>
-        <p:nvSpPr>
-          <p:cNvPr id="38" name="직사각형 37"/>
-          <p:cNvSpPr/>
-          <p:nvPr/>
-        </p:nvSpPr>
-        <p:spPr>
-          <a:xfrm>
-            <a:off x="3923928" y="3889082"/>
-            <a:ext cx="1894173" cy="369332"/>
-          </a:xfrm>
-          <a:prstGeom prst="rect">
-            <a:avLst/>
-          </a:prstGeom>
-        </p:spPr>
-        <p:txBody>
-          <a:bodyPr wrap="none">
-            <a:spAutoFit/>
-          </a:bodyPr>
-          <a:lstStyle/>
-          <a:p>
-            <a:r>
-              <a:rPr lang="en-US" altLang="ko-KR" b="1" dirty="0">
-                <a:solidFill>
-                  <a:srgbClr val="0070C0"/>
-                </a:solidFill>
-                <a:ea typeface="나눔고딕 ExtraBold" pitchFamily="50" charset="-127"/>
-              </a:rPr>
-              <a:t>Part5. </a:t>
-            </a:r>
-            <a:r>
-              <a:rPr lang="ko-KR" altLang="en-US" b="1" dirty="0">
-                <a:solidFill>
-                  <a:srgbClr val="0070C0"/>
-                </a:solidFill>
-                <a:ea typeface="나눔고딕 ExtraBold" pitchFamily="50" charset="-127"/>
-              </a:rPr>
-              <a:t>개발 현황</a:t>
-            </a:r>
-            <a:endParaRPr lang="ko-KR" altLang="en-US" b="1" dirty="0"/>
-          </a:p>
-        </p:txBody>
-      </p:sp>
-      <p:sp>
-        <p:nvSpPr>
-          <p:cNvPr id="16" name="타원 15"/>
-          <p:cNvSpPr/>
-          <p:nvPr/>
-        </p:nvSpPr>
-        <p:spPr>
-          <a:xfrm>
-            <a:off x="3018280" y="4405088"/>
-            <a:ext cx="452861" cy="452861"/>
-          </a:xfrm>
-          <a:prstGeom prst="ellipse">
-            <a:avLst/>
-          </a:prstGeom>
-          <a:solidFill>
-            <a:srgbClr val="FF7C80">
-              <a:alpha val="75000"/>
-            </a:srgbClr>
-          </a:solidFill>
-          <a:ln>
-            <a:noFill/>
-          </a:ln>
-          <a:effectLst/>
-          <a:scene3d>
-            <a:camera prst="orthographicFront"/>
-            <a:lightRig rig="balanced" dir="t"/>
-          </a:scene3d>
-          <a:sp3d prstMaterial="softEdge">
-            <a:bevelT/>
-          </a:sp3d>
-        </p:spPr>
-        <p:style>
-          <a:lnRef idx="2">
-            <a:schemeClr val="accent1">
-              <a:shade val="50000"/>
-            </a:schemeClr>
-          </a:lnRef>
-          <a:fillRef idx="1">
-            <a:schemeClr val="accent1"/>
-          </a:fillRef>
-          <a:effectRef idx="0">
-            <a:schemeClr val="accent1"/>
-          </a:effectRef>
-          <a:fontRef idx="minor">
-            <a:schemeClr val="lt1"/>
-          </a:fontRef>
-        </p:style>
-        <p:txBody>
-          <a:bodyPr rtlCol="0" anchor="ctr"/>
-          <a:lstStyle/>
-          <a:p>
-            <a:pPr algn="ctr"/>
-            <a:endParaRPr lang="ko-KR" altLang="en-US" b="1"/>
-          </a:p>
-        </p:txBody>
-      </p:sp>
-      <p:sp>
-        <p:nvSpPr>
-          <p:cNvPr id="17" name="타원 16"/>
-          <p:cNvSpPr/>
-          <p:nvPr/>
-        </p:nvSpPr>
-        <p:spPr>
-          <a:xfrm>
-            <a:off x="2429334" y="4915555"/>
-            <a:ext cx="452861" cy="452861"/>
-          </a:xfrm>
-          <a:prstGeom prst="ellipse">
-            <a:avLst/>
-          </a:prstGeom>
-          <a:solidFill>
-            <a:srgbClr val="FFC000">
-              <a:alpha val="75000"/>
-            </a:srgbClr>
-          </a:solidFill>
-          <a:ln>
-            <a:noFill/>
-          </a:ln>
-          <a:effectLst/>
-          <a:scene3d>
-            <a:camera prst="orthographicFront"/>
-            <a:lightRig rig="balanced" dir="t"/>
-          </a:scene3d>
-          <a:sp3d prstMaterial="softEdge">
-            <a:bevelT/>
-          </a:sp3d>
-        </p:spPr>
-        <p:style>
-          <a:lnRef idx="2">
-            <a:schemeClr val="accent1">
-              <a:shade val="50000"/>
-            </a:schemeClr>
-          </a:lnRef>
-          <a:fillRef idx="1">
-            <a:schemeClr val="accent1"/>
-          </a:fillRef>
-          <a:effectRef idx="0">
-            <a:schemeClr val="accent1"/>
-          </a:effectRef>
-          <a:fontRef idx="minor">
-            <a:schemeClr val="lt1"/>
-          </a:fontRef>
-        </p:style>
-        <p:txBody>
-          <a:bodyPr rtlCol="0" anchor="ctr"/>
-          <a:lstStyle/>
-          <a:p>
-            <a:pPr algn="ctr"/>
-            <a:endParaRPr lang="ko-KR" altLang="en-US" b="1"/>
-          </a:p>
-        </p:txBody>
-      </p:sp>
-      <p:sp>
-        <p:nvSpPr>
-          <p:cNvPr id="18" name="타원 17"/>
-          <p:cNvSpPr/>
-          <p:nvPr/>
-        </p:nvSpPr>
-        <p:spPr>
-          <a:xfrm>
-            <a:off x="1898994" y="5424411"/>
-            <a:ext cx="452861" cy="452861"/>
-          </a:xfrm>
-          <a:prstGeom prst="ellipse">
-            <a:avLst/>
-          </a:prstGeom>
-          <a:solidFill>
-            <a:schemeClr val="accent5">
-              <a:lumMod val="75000"/>
-              <a:alpha val="75000"/>
-            </a:schemeClr>
-          </a:solidFill>
-          <a:ln>
-            <a:noFill/>
-          </a:ln>
-          <a:effectLst/>
-          <a:scene3d>
-            <a:camera prst="orthographicFront"/>
-            <a:lightRig rig="balanced" dir="t"/>
-          </a:scene3d>
-          <a:sp3d prstMaterial="softEdge">
-            <a:bevelT/>
-          </a:sp3d>
-        </p:spPr>
-        <p:style>
-          <a:lnRef idx="2">
-            <a:schemeClr val="accent1">
-              <a:shade val="50000"/>
-            </a:schemeClr>
-          </a:lnRef>
-          <a:fillRef idx="1">
-            <a:schemeClr val="accent1"/>
-          </a:fillRef>
-          <a:effectRef idx="0">
-            <a:schemeClr val="accent1"/>
-          </a:effectRef>
-          <a:fontRef idx="minor">
-            <a:schemeClr val="lt1"/>
-          </a:fontRef>
-        </p:style>
-        <p:txBody>
-          <a:bodyPr rtlCol="0" anchor="ctr"/>
-          <a:lstStyle/>
-          <a:p>
-            <a:pPr algn="ctr"/>
-            <a:endParaRPr lang="ko-KR" altLang="en-US" b="1"/>
-          </a:p>
-        </p:txBody>
-      </p:sp>
-      <p:sp>
-        <p:nvSpPr>
-          <p:cNvPr id="19" name="직사각형 18"/>
-          <p:cNvSpPr/>
-          <p:nvPr/>
-        </p:nvSpPr>
-        <p:spPr>
-          <a:xfrm>
-            <a:off x="3606657" y="4443540"/>
-            <a:ext cx="1894173" cy="369332"/>
-          </a:xfrm>
-          <a:prstGeom prst="rect">
-            <a:avLst/>
-          </a:prstGeom>
-        </p:spPr>
-        <p:txBody>
-          <a:bodyPr wrap="none">
-            <a:spAutoFit/>
-          </a:bodyPr>
-          <a:lstStyle/>
-          <a:p>
-            <a:r>
-              <a:rPr lang="en-US" altLang="ko-KR" b="1" dirty="0">
-                <a:solidFill>
-                  <a:srgbClr val="0070C0"/>
-                </a:solidFill>
-                <a:ea typeface="나눔고딕 ExtraBold" pitchFamily="50" charset="-127"/>
-              </a:rPr>
-              <a:t>Part6. </a:t>
-            </a:r>
-            <a:r>
-              <a:rPr lang="ko-KR" altLang="en-US" b="1" dirty="0">
-                <a:solidFill>
-                  <a:srgbClr val="0070C0"/>
-                </a:solidFill>
-                <a:ea typeface="나눔고딕 ExtraBold" pitchFamily="50" charset="-127"/>
-              </a:rPr>
-              <a:t>업무 분담</a:t>
-            </a:r>
-            <a:endParaRPr lang="ko-KR" altLang="en-US" b="1" dirty="0"/>
-          </a:p>
-        </p:txBody>
-      </p:sp>
-      <p:sp>
-        <p:nvSpPr>
-          <p:cNvPr id="20" name="직사각형 19"/>
-          <p:cNvSpPr/>
-          <p:nvPr/>
-        </p:nvSpPr>
-        <p:spPr>
-          <a:xfrm>
-            <a:off x="3028251" y="4956806"/>
-            <a:ext cx="1894173" cy="369332"/>
-          </a:xfrm>
-          <a:prstGeom prst="rect">
-            <a:avLst/>
-          </a:prstGeom>
-        </p:spPr>
-        <p:txBody>
-          <a:bodyPr wrap="none">
-            <a:spAutoFit/>
-          </a:bodyPr>
-          <a:lstStyle/>
-          <a:p>
-            <a:r>
-              <a:rPr lang="en-US" altLang="ko-KR" b="1" dirty="0">
-                <a:solidFill>
-                  <a:srgbClr val="0070C0"/>
-                </a:solidFill>
-                <a:ea typeface="나눔고딕 ExtraBold" pitchFamily="50" charset="-127"/>
-              </a:rPr>
-              <a:t>Part7. </a:t>
-            </a:r>
-            <a:r>
-              <a:rPr lang="ko-KR" altLang="en-US" b="1" dirty="0">
-                <a:solidFill>
-                  <a:srgbClr val="0070C0"/>
-                </a:solidFill>
-                <a:ea typeface="나눔고딕 ExtraBold" pitchFamily="50" charset="-127"/>
-              </a:rPr>
-              <a:t>수행 일정</a:t>
-            </a:r>
-            <a:endParaRPr lang="ko-KR" altLang="en-US" b="1" dirty="0"/>
-          </a:p>
-        </p:txBody>
-      </p:sp>
-      <p:sp>
-        <p:nvSpPr>
-          <p:cNvPr id="21" name="직사각형 20"/>
-          <p:cNvSpPr/>
-          <p:nvPr/>
-        </p:nvSpPr>
-        <p:spPr>
-          <a:xfrm>
-            <a:off x="2471549" y="5517232"/>
-            <a:ext cx="3187796" cy="369332"/>
-          </a:xfrm>
-          <a:prstGeom prst="rect">
-            <a:avLst/>
-          </a:prstGeom>
-        </p:spPr>
-        <p:txBody>
-          <a:bodyPr wrap="none">
-            <a:spAutoFit/>
-          </a:bodyPr>
-          <a:lstStyle/>
-          <a:p>
-            <a:r>
-              <a:rPr lang="en-US" altLang="ko-KR" b="1" dirty="0">
-                <a:solidFill>
-                  <a:srgbClr val="0070C0"/>
-                </a:solidFill>
-                <a:ea typeface="나눔고딕 ExtraBold" pitchFamily="50" charset="-127"/>
-              </a:rPr>
-              <a:t>Part8. </a:t>
-            </a:r>
-            <a:r>
-              <a:rPr lang="ko-KR" altLang="en-US" b="1" dirty="0">
-                <a:solidFill>
-                  <a:srgbClr val="0070C0"/>
-                </a:solidFill>
-                <a:ea typeface="나눔고딕 ExtraBold" pitchFamily="50" charset="-127"/>
-              </a:rPr>
-              <a:t>필요 기술 및 참고문헌</a:t>
-            </a:r>
-            <a:endParaRPr lang="ko-KR" altLang="en-US" b="1" dirty="0"/>
-          </a:p>
-        </p:txBody>
-      </p:sp>
-    </p:spTree>
-  </p:cSld>
-  <p:clrMapOvr>
-    <a:masterClrMapping/>
-  </p:clrMapOvr>
-</p:sld>
-</file>
-
-<file path=ppt/slides/slide20.xml><?xml version="1.0" encoding="utf-8"?>
+<file path=ppt/slides/slide19.xml><?xml version="1.0" encoding="utf-8"?>
 <p:sld xmlns:a="http://schemas.openxmlformats.org/drawingml/2006/main" xmlns:r="http://schemas.openxmlformats.org/officeDocument/2006/relationships" xmlns:p="http://schemas.openxmlformats.org/presentationml/2006/main">
   <p:cSld>
     <p:spTree>
@@ -13027,7 +11166,7 @@
         </p:nvSpPr>
         <p:spPr>
           <a:xfrm>
-            <a:off x="2681904" y="1079790"/>
+            <a:off x="2681904" y="633780"/>
             <a:ext cx="3816424" cy="732380"/>
           </a:xfrm>
           <a:prstGeom prst="rect">
@@ -13357,7 +11496,1068 @@
 </p:sld>
 </file>
 
-<file path=ppt/slides/slide21.xml><?xml version="1.0" encoding="utf-8"?>
+<file path=ppt/slides/slide2.xml><?xml version="1.0" encoding="utf-8"?>
+<p:sld xmlns:a="http://schemas.openxmlformats.org/drawingml/2006/main" xmlns:r="http://schemas.openxmlformats.org/officeDocument/2006/relationships" xmlns:p="http://schemas.openxmlformats.org/presentationml/2006/main">
+  <p:cSld>
+    <p:bg>
+      <p:bgPr>
+        <a:solidFill>
+          <a:schemeClr val="bg1"/>
+        </a:solidFill>
+        <a:effectLst/>
+      </p:bgPr>
+    </p:bg>
+    <p:spTree>
+      <p:nvGrpSpPr>
+        <p:cNvPr id="1" name=""/>
+        <p:cNvGrpSpPr/>
+        <p:nvPr/>
+      </p:nvGrpSpPr>
+      <p:grpSpPr>
+        <a:xfrm>
+          <a:off x="0" y="0"/>
+          <a:ext cx="0" cy="0"/>
+          <a:chOff x="0" y="0"/>
+          <a:chExt cx="0" cy="0"/>
+        </a:xfrm>
+      </p:grpSpPr>
+      <p:sp>
+        <p:nvSpPr>
+          <p:cNvPr id="39" name="타원 38"/>
+          <p:cNvSpPr/>
+          <p:nvPr/>
+        </p:nvSpPr>
+        <p:spPr>
+          <a:xfrm>
+            <a:off x="1043608" y="2204864"/>
+            <a:ext cx="2232248" cy="2232248"/>
+          </a:xfrm>
+          <a:prstGeom prst="ellipse">
+            <a:avLst/>
+          </a:prstGeom>
+          <a:solidFill>
+            <a:schemeClr val="accent5">
+              <a:lumMod val="75000"/>
+              <a:alpha val="75000"/>
+            </a:schemeClr>
+          </a:solidFill>
+          <a:ln>
+            <a:noFill/>
+          </a:ln>
+          <a:effectLst/>
+          <a:scene3d>
+            <a:camera prst="orthographicFront"/>
+            <a:lightRig rig="balanced" dir="t"/>
+          </a:scene3d>
+          <a:sp3d prstMaterial="softEdge">
+            <a:bevelT/>
+          </a:sp3d>
+        </p:spPr>
+        <p:style>
+          <a:lnRef idx="2">
+            <a:schemeClr val="accent1">
+              <a:shade val="50000"/>
+            </a:schemeClr>
+          </a:lnRef>
+          <a:fillRef idx="1">
+            <a:schemeClr val="accent1"/>
+          </a:fillRef>
+          <a:effectRef idx="0">
+            <a:schemeClr val="accent1"/>
+          </a:effectRef>
+          <a:fontRef idx="minor">
+            <a:schemeClr val="lt1"/>
+          </a:fontRef>
+        </p:style>
+        <p:txBody>
+          <a:bodyPr rtlCol="0" anchor="ctr"/>
+          <a:lstStyle/>
+          <a:p>
+            <a:pPr algn="ctr"/>
+            <a:endParaRPr lang="ko-KR" altLang="en-US" b="1"/>
+          </a:p>
+        </p:txBody>
+      </p:sp>
+      <p:sp>
+        <p:nvSpPr>
+          <p:cNvPr id="4" name="TextBox 3"/>
+          <p:cNvSpPr txBox="1"/>
+          <p:nvPr/>
+        </p:nvSpPr>
+        <p:spPr>
+          <a:xfrm>
+            <a:off x="1128293" y="2721317"/>
+            <a:ext cx="1994264" cy="896720"/>
+          </a:xfrm>
+          <a:prstGeom prst="rect">
+            <a:avLst/>
+          </a:prstGeom>
+          <a:noFill/>
+        </p:spPr>
+        <p:txBody>
+          <a:bodyPr wrap="none" rtlCol="0">
+            <a:spAutoFit/>
+          </a:bodyPr>
+          <a:lstStyle/>
+          <a:p>
+            <a:pPr>
+              <a:lnSpc>
+                <a:spcPct val="150000"/>
+              </a:lnSpc>
+            </a:pPr>
+            <a:r>
+              <a:rPr lang="en-US" altLang="ko-KR" sz="4000" b="1" dirty="0">
+                <a:solidFill>
+                  <a:schemeClr val="bg1"/>
+                </a:solidFill>
+                <a:ea typeface="나눔고딕 ExtraBold" pitchFamily="50" charset="-127"/>
+              </a:rPr>
+              <a:t>C</a:t>
+            </a:r>
+            <a:r>
+              <a:rPr lang="en-US" altLang="ko-KR" sz="3200" b="1" dirty="0">
+                <a:solidFill>
+                  <a:schemeClr val="bg1"/>
+                </a:solidFill>
+                <a:ea typeface="나눔고딕 ExtraBold" pitchFamily="50" charset="-127"/>
+              </a:rPr>
+              <a:t>ontents</a:t>
+            </a:r>
+          </a:p>
+        </p:txBody>
+      </p:sp>
+      <p:sp>
+        <p:nvSpPr>
+          <p:cNvPr id="9" name="직사각형 8"/>
+          <p:cNvSpPr/>
+          <p:nvPr/>
+        </p:nvSpPr>
+        <p:spPr>
+          <a:xfrm>
+            <a:off x="0" y="6381898"/>
+            <a:ext cx="9180512" cy="71438"/>
+          </a:xfrm>
+          <a:prstGeom prst="rect">
+            <a:avLst/>
+          </a:prstGeom>
+          <a:solidFill>
+            <a:schemeClr val="tx2">
+              <a:lumMod val="40000"/>
+              <a:lumOff val="60000"/>
+            </a:schemeClr>
+          </a:solidFill>
+          <a:ln>
+            <a:noFill/>
+          </a:ln>
+        </p:spPr>
+        <p:style>
+          <a:lnRef idx="2">
+            <a:schemeClr val="accent1">
+              <a:shade val="50000"/>
+            </a:schemeClr>
+          </a:lnRef>
+          <a:fillRef idx="1">
+            <a:schemeClr val="accent1"/>
+          </a:fillRef>
+          <a:effectRef idx="0">
+            <a:schemeClr val="accent1"/>
+          </a:effectRef>
+          <a:fontRef idx="minor">
+            <a:schemeClr val="lt1"/>
+          </a:fontRef>
+        </p:style>
+        <p:txBody>
+          <a:bodyPr rtlCol="0" anchor="ctr"/>
+          <a:lstStyle/>
+          <a:p>
+            <a:pPr algn="ctr"/>
+            <a:endParaRPr lang="ko-KR" altLang="en-US" b="1" dirty="0"/>
+          </a:p>
+        </p:txBody>
+      </p:sp>
+      <p:sp>
+        <p:nvSpPr>
+          <p:cNvPr id="10" name="직사각형 9"/>
+          <p:cNvSpPr/>
+          <p:nvPr/>
+        </p:nvSpPr>
+        <p:spPr>
+          <a:xfrm>
+            <a:off x="-36512" y="476672"/>
+            <a:ext cx="9180512" cy="71438"/>
+          </a:xfrm>
+          <a:prstGeom prst="rect">
+            <a:avLst/>
+          </a:prstGeom>
+          <a:solidFill>
+            <a:schemeClr val="tx2">
+              <a:lumMod val="40000"/>
+              <a:lumOff val="60000"/>
+            </a:schemeClr>
+          </a:solidFill>
+          <a:ln>
+            <a:noFill/>
+          </a:ln>
+        </p:spPr>
+        <p:style>
+          <a:lnRef idx="2">
+            <a:schemeClr val="accent1">
+              <a:shade val="50000"/>
+            </a:schemeClr>
+          </a:lnRef>
+          <a:fillRef idx="1">
+            <a:schemeClr val="accent1"/>
+          </a:fillRef>
+          <a:effectRef idx="0">
+            <a:schemeClr val="accent1"/>
+          </a:effectRef>
+          <a:fontRef idx="minor">
+            <a:schemeClr val="lt1"/>
+          </a:fontRef>
+        </p:style>
+        <p:txBody>
+          <a:bodyPr rtlCol="0" anchor="ctr"/>
+          <a:lstStyle/>
+          <a:p>
+            <a:pPr algn="ctr"/>
+            <a:endParaRPr lang="ko-KR" altLang="en-US" b="1" dirty="0"/>
+          </a:p>
+        </p:txBody>
+      </p:sp>
+      <p:sp>
+        <p:nvSpPr>
+          <p:cNvPr id="22" name="타원 21"/>
+          <p:cNvSpPr/>
+          <p:nvPr/>
+        </p:nvSpPr>
+        <p:spPr>
+          <a:xfrm>
+            <a:off x="3369025" y="2383515"/>
+            <a:ext cx="452861" cy="452861"/>
+          </a:xfrm>
+          <a:prstGeom prst="ellipse">
+            <a:avLst/>
+          </a:prstGeom>
+          <a:solidFill>
+            <a:schemeClr val="accent5">
+              <a:lumMod val="75000"/>
+              <a:alpha val="75000"/>
+            </a:schemeClr>
+          </a:solidFill>
+          <a:ln>
+            <a:noFill/>
+          </a:ln>
+          <a:effectLst/>
+          <a:scene3d>
+            <a:camera prst="orthographicFront"/>
+            <a:lightRig rig="balanced" dir="t"/>
+          </a:scene3d>
+          <a:sp3d prstMaterial="softEdge">
+            <a:bevelT/>
+          </a:sp3d>
+        </p:spPr>
+        <p:style>
+          <a:lnRef idx="2">
+            <a:schemeClr val="accent1">
+              <a:shade val="50000"/>
+            </a:schemeClr>
+          </a:lnRef>
+          <a:fillRef idx="1">
+            <a:schemeClr val="accent1"/>
+          </a:fillRef>
+          <a:effectRef idx="0">
+            <a:schemeClr val="accent1"/>
+          </a:effectRef>
+          <a:fontRef idx="minor">
+            <a:schemeClr val="lt1"/>
+          </a:fontRef>
+        </p:style>
+        <p:txBody>
+          <a:bodyPr rtlCol="0" anchor="ctr"/>
+          <a:lstStyle/>
+          <a:p>
+            <a:pPr algn="ctr"/>
+            <a:endParaRPr lang="ko-KR" altLang="en-US" b="1"/>
+          </a:p>
+        </p:txBody>
+      </p:sp>
+      <p:sp>
+        <p:nvSpPr>
+          <p:cNvPr id="23" name="타원 22"/>
+          <p:cNvSpPr/>
+          <p:nvPr/>
+        </p:nvSpPr>
+        <p:spPr>
+          <a:xfrm>
+            <a:off x="3471141" y="3088388"/>
+            <a:ext cx="452861" cy="452861"/>
+          </a:xfrm>
+          <a:prstGeom prst="ellipse">
+            <a:avLst/>
+          </a:prstGeom>
+          <a:solidFill>
+            <a:srgbClr val="CC99FF">
+              <a:alpha val="75000"/>
+            </a:srgbClr>
+          </a:solidFill>
+          <a:ln>
+            <a:noFill/>
+          </a:ln>
+          <a:effectLst/>
+          <a:scene3d>
+            <a:camera prst="orthographicFront"/>
+            <a:lightRig rig="balanced" dir="t"/>
+          </a:scene3d>
+          <a:sp3d prstMaterial="softEdge">
+            <a:bevelT/>
+          </a:sp3d>
+        </p:spPr>
+        <p:style>
+          <a:lnRef idx="2">
+            <a:schemeClr val="accent1">
+              <a:shade val="50000"/>
+            </a:schemeClr>
+          </a:lnRef>
+          <a:fillRef idx="1">
+            <a:schemeClr val="accent1"/>
+          </a:fillRef>
+          <a:effectRef idx="0">
+            <a:schemeClr val="accent1"/>
+          </a:effectRef>
+          <a:fontRef idx="minor">
+            <a:schemeClr val="lt1"/>
+          </a:fontRef>
+        </p:style>
+        <p:txBody>
+          <a:bodyPr rtlCol="0" anchor="ctr"/>
+          <a:lstStyle/>
+          <a:p>
+            <a:pPr algn="ctr"/>
+            <a:endParaRPr lang="ko-KR" altLang="en-US" b="1"/>
+          </a:p>
+        </p:txBody>
+      </p:sp>
+      <p:sp>
+        <p:nvSpPr>
+          <p:cNvPr id="24" name="타원 23"/>
+          <p:cNvSpPr/>
+          <p:nvPr/>
+        </p:nvSpPr>
+        <p:spPr>
+          <a:xfrm>
+            <a:off x="3369025" y="3849858"/>
+            <a:ext cx="452861" cy="452861"/>
+          </a:xfrm>
+          <a:prstGeom prst="ellipse">
+            <a:avLst/>
+          </a:prstGeom>
+          <a:solidFill>
+            <a:srgbClr val="00CC99">
+              <a:alpha val="75000"/>
+            </a:srgbClr>
+          </a:solidFill>
+          <a:ln>
+            <a:noFill/>
+          </a:ln>
+          <a:effectLst/>
+          <a:scene3d>
+            <a:camera prst="orthographicFront"/>
+            <a:lightRig rig="balanced" dir="t"/>
+          </a:scene3d>
+          <a:sp3d prstMaterial="softEdge">
+            <a:bevelT/>
+          </a:sp3d>
+        </p:spPr>
+        <p:style>
+          <a:lnRef idx="2">
+            <a:schemeClr val="accent1">
+              <a:shade val="50000"/>
+            </a:schemeClr>
+          </a:lnRef>
+          <a:fillRef idx="1">
+            <a:schemeClr val="accent1"/>
+          </a:fillRef>
+          <a:effectRef idx="0">
+            <a:schemeClr val="accent1"/>
+          </a:effectRef>
+          <a:fontRef idx="minor">
+            <a:schemeClr val="lt1"/>
+          </a:fontRef>
+        </p:style>
+        <p:txBody>
+          <a:bodyPr rtlCol="0" anchor="ctr"/>
+          <a:lstStyle/>
+          <a:p>
+            <a:pPr algn="ctr"/>
+            <a:endParaRPr lang="ko-KR" altLang="en-US" b="1"/>
+          </a:p>
+        </p:txBody>
+      </p:sp>
+      <p:sp>
+        <p:nvSpPr>
+          <p:cNvPr id="25" name="타원 24"/>
+          <p:cNvSpPr/>
+          <p:nvPr/>
+        </p:nvSpPr>
+        <p:spPr>
+          <a:xfrm>
+            <a:off x="2669696" y="1068109"/>
+            <a:ext cx="452861" cy="452861"/>
+          </a:xfrm>
+          <a:prstGeom prst="ellipse">
+            <a:avLst/>
+          </a:prstGeom>
+          <a:solidFill>
+            <a:srgbClr val="FF7C80">
+              <a:alpha val="75000"/>
+            </a:srgbClr>
+          </a:solidFill>
+          <a:ln>
+            <a:noFill/>
+          </a:ln>
+          <a:effectLst/>
+          <a:scene3d>
+            <a:camera prst="orthographicFront"/>
+            <a:lightRig rig="balanced" dir="t"/>
+          </a:scene3d>
+          <a:sp3d prstMaterial="softEdge">
+            <a:bevelT/>
+          </a:sp3d>
+        </p:spPr>
+        <p:style>
+          <a:lnRef idx="2">
+            <a:schemeClr val="accent1">
+              <a:shade val="50000"/>
+            </a:schemeClr>
+          </a:lnRef>
+          <a:fillRef idx="1">
+            <a:schemeClr val="accent1"/>
+          </a:fillRef>
+          <a:effectRef idx="0">
+            <a:schemeClr val="accent1"/>
+          </a:effectRef>
+          <a:fontRef idx="minor">
+            <a:schemeClr val="lt1"/>
+          </a:fontRef>
+        </p:style>
+        <p:txBody>
+          <a:bodyPr rtlCol="0" anchor="ctr"/>
+          <a:lstStyle/>
+          <a:p>
+            <a:pPr algn="ctr"/>
+            <a:endParaRPr lang="ko-KR" altLang="en-US" b="1"/>
+          </a:p>
+        </p:txBody>
+      </p:sp>
+      <p:sp>
+        <p:nvSpPr>
+          <p:cNvPr id="26" name="타원 25"/>
+          <p:cNvSpPr/>
+          <p:nvPr/>
+        </p:nvSpPr>
+        <p:spPr>
+          <a:xfrm>
+            <a:off x="3099205" y="1678642"/>
+            <a:ext cx="452861" cy="452861"/>
+          </a:xfrm>
+          <a:prstGeom prst="ellipse">
+            <a:avLst/>
+          </a:prstGeom>
+          <a:solidFill>
+            <a:srgbClr val="FFC000">
+              <a:alpha val="75000"/>
+            </a:srgbClr>
+          </a:solidFill>
+          <a:ln>
+            <a:noFill/>
+          </a:ln>
+          <a:effectLst/>
+          <a:scene3d>
+            <a:camera prst="orthographicFront"/>
+            <a:lightRig rig="balanced" dir="t"/>
+          </a:scene3d>
+          <a:sp3d prstMaterial="softEdge">
+            <a:bevelT/>
+          </a:sp3d>
+        </p:spPr>
+        <p:style>
+          <a:lnRef idx="2">
+            <a:schemeClr val="accent1">
+              <a:shade val="50000"/>
+            </a:schemeClr>
+          </a:lnRef>
+          <a:fillRef idx="1">
+            <a:schemeClr val="accent1"/>
+          </a:fillRef>
+          <a:effectRef idx="0">
+            <a:schemeClr val="accent1"/>
+          </a:effectRef>
+          <a:fontRef idx="minor">
+            <a:schemeClr val="lt1"/>
+          </a:fontRef>
+        </p:style>
+        <p:txBody>
+          <a:bodyPr rtlCol="0" anchor="ctr"/>
+          <a:lstStyle/>
+          <a:p>
+            <a:pPr algn="ctr"/>
+            <a:endParaRPr lang="ko-KR" altLang="en-US" b="1"/>
+          </a:p>
+        </p:txBody>
+      </p:sp>
+      <p:sp>
+        <p:nvSpPr>
+          <p:cNvPr id="34" name="직사각형 33"/>
+          <p:cNvSpPr/>
+          <p:nvPr/>
+        </p:nvSpPr>
+        <p:spPr>
+          <a:xfrm>
+            <a:off x="3100823" y="985654"/>
+            <a:ext cx="1442126" cy="507831"/>
+          </a:xfrm>
+          <a:prstGeom prst="rect">
+            <a:avLst/>
+          </a:prstGeom>
+        </p:spPr>
+        <p:txBody>
+          <a:bodyPr wrap="none">
+            <a:spAutoFit/>
+          </a:bodyPr>
+          <a:lstStyle/>
+          <a:p>
+            <a:pPr>
+              <a:lnSpc>
+                <a:spcPct val="150000"/>
+              </a:lnSpc>
+            </a:pPr>
+            <a:r>
+              <a:rPr lang="en-US" altLang="ko-KR" b="1" dirty="0">
+                <a:solidFill>
+                  <a:srgbClr val="0070C0"/>
+                </a:solidFill>
+                <a:ea typeface="나눔고딕" pitchFamily="50" charset="-127"/>
+              </a:rPr>
+              <a:t> </a:t>
+            </a:r>
+            <a:r>
+              <a:rPr lang="en-US" altLang="ko-KR" b="1" dirty="0">
+                <a:solidFill>
+                  <a:srgbClr val="0070C0"/>
+                </a:solidFill>
+                <a:ea typeface="나눔고딕 ExtraBold" pitchFamily="50" charset="-127"/>
+              </a:rPr>
+              <a:t>Part1. </a:t>
+            </a:r>
+            <a:r>
+              <a:rPr lang="ko-KR" altLang="en-US" b="1" dirty="0">
+                <a:solidFill>
+                  <a:srgbClr val="0070C0"/>
+                </a:solidFill>
+                <a:ea typeface="나눔고딕 ExtraBold" pitchFamily="50" charset="-127"/>
+              </a:rPr>
+              <a:t>개요</a:t>
+            </a:r>
+            <a:endParaRPr lang="en-US" altLang="ko-KR" b="1" dirty="0">
+              <a:solidFill>
+                <a:srgbClr val="0070C0"/>
+              </a:solidFill>
+              <a:ea typeface="나눔고딕 ExtraBold" pitchFamily="50" charset="-127"/>
+            </a:endParaRPr>
+          </a:p>
+        </p:txBody>
+      </p:sp>
+      <p:sp>
+        <p:nvSpPr>
+          <p:cNvPr id="35" name="직사각형 34"/>
+          <p:cNvSpPr/>
+          <p:nvPr/>
+        </p:nvSpPr>
+        <p:spPr>
+          <a:xfrm>
+            <a:off x="3697571" y="1716713"/>
+            <a:ext cx="2346220" cy="369332"/>
+          </a:xfrm>
+          <a:prstGeom prst="rect">
+            <a:avLst/>
+          </a:prstGeom>
+        </p:spPr>
+        <p:txBody>
+          <a:bodyPr wrap="none">
+            <a:spAutoFit/>
+          </a:bodyPr>
+          <a:lstStyle/>
+          <a:p>
+            <a:r>
+              <a:rPr lang="en-US" altLang="ko-KR" b="1" dirty="0">
+                <a:solidFill>
+                  <a:srgbClr val="0070C0"/>
+                </a:solidFill>
+                <a:ea typeface="나눔고딕 ExtraBold" pitchFamily="50" charset="-127"/>
+              </a:rPr>
+              <a:t>Part2. </a:t>
+            </a:r>
+            <a:r>
+              <a:rPr lang="ko-KR" altLang="en-US" b="1" dirty="0">
+                <a:solidFill>
+                  <a:srgbClr val="0070C0"/>
+                </a:solidFill>
+                <a:ea typeface="나눔고딕 ExtraBold" pitchFamily="50" charset="-127"/>
+              </a:rPr>
+              <a:t>시스템 구성도</a:t>
+            </a:r>
+            <a:endParaRPr lang="ko-KR" altLang="en-US" b="1" dirty="0"/>
+          </a:p>
+        </p:txBody>
+      </p:sp>
+      <p:sp>
+        <p:nvSpPr>
+          <p:cNvPr id="36" name="직사각형 35"/>
+          <p:cNvSpPr/>
+          <p:nvPr/>
+        </p:nvSpPr>
+        <p:spPr>
+          <a:xfrm>
+            <a:off x="3915055" y="2399460"/>
+            <a:ext cx="3106043" cy="369332"/>
+          </a:xfrm>
+          <a:prstGeom prst="rect">
+            <a:avLst/>
+          </a:prstGeom>
+        </p:spPr>
+        <p:txBody>
+          <a:bodyPr wrap="none">
+            <a:spAutoFit/>
+          </a:bodyPr>
+          <a:lstStyle/>
+          <a:p>
+            <a:r>
+              <a:rPr lang="en-US" altLang="ko-KR" b="1" dirty="0">
+                <a:solidFill>
+                  <a:srgbClr val="0070C0"/>
+                </a:solidFill>
+                <a:ea typeface="나눔고딕 ExtraBold" pitchFamily="50" charset="-127"/>
+              </a:rPr>
+              <a:t>Part3. </a:t>
+            </a:r>
+            <a:r>
+              <a:rPr lang="ko-KR" altLang="en-US" b="1" dirty="0">
+                <a:solidFill>
+                  <a:srgbClr val="0070C0"/>
+                </a:solidFill>
+                <a:ea typeface="나눔고딕 ExtraBold" pitchFamily="50" charset="-127"/>
+              </a:rPr>
+              <a:t>시스템 수행 시나리오</a:t>
+            </a:r>
+            <a:endParaRPr lang="ko-KR" altLang="en-US" b="1" dirty="0"/>
+          </a:p>
+        </p:txBody>
+      </p:sp>
+      <p:sp>
+        <p:nvSpPr>
+          <p:cNvPr id="37" name="직사각형 36"/>
+          <p:cNvSpPr/>
+          <p:nvPr/>
+        </p:nvSpPr>
+        <p:spPr>
+          <a:xfrm>
+            <a:off x="3923928" y="3060902"/>
+            <a:ext cx="3269549" cy="507831"/>
+          </a:xfrm>
+          <a:prstGeom prst="rect">
+            <a:avLst/>
+          </a:prstGeom>
+        </p:spPr>
+        <p:txBody>
+          <a:bodyPr wrap="none">
+            <a:spAutoFit/>
+          </a:bodyPr>
+          <a:lstStyle/>
+          <a:p>
+            <a:pPr>
+              <a:lnSpc>
+                <a:spcPct val="150000"/>
+              </a:lnSpc>
+            </a:pPr>
+            <a:r>
+              <a:rPr lang="en-US" altLang="ko-KR" b="1" dirty="0">
+                <a:solidFill>
+                  <a:srgbClr val="0070C0"/>
+                </a:solidFill>
+                <a:ea typeface="나눔고딕 ExtraBold" pitchFamily="50" charset="-127"/>
+              </a:rPr>
+              <a:t> Part4. </a:t>
+            </a:r>
+            <a:r>
+              <a:rPr lang="ko-KR" altLang="en-US" b="1" dirty="0">
+                <a:solidFill>
+                  <a:srgbClr val="0070C0"/>
+                </a:solidFill>
+                <a:ea typeface="나눔고딕 ExtraBold" pitchFamily="50" charset="-127"/>
+              </a:rPr>
+              <a:t>개발 환경 및 개발방법</a:t>
+            </a:r>
+            <a:endParaRPr lang="en-US" altLang="ko-KR" b="1" dirty="0">
+              <a:solidFill>
+                <a:schemeClr val="bg1">
+                  <a:lumMod val="50000"/>
+                </a:schemeClr>
+              </a:solidFill>
+              <a:ea typeface="나눔고딕" pitchFamily="50" charset="-127"/>
+            </a:endParaRPr>
+          </a:p>
+        </p:txBody>
+      </p:sp>
+      <p:sp>
+        <p:nvSpPr>
+          <p:cNvPr id="38" name="직사각형 37"/>
+          <p:cNvSpPr/>
+          <p:nvPr/>
+        </p:nvSpPr>
+        <p:spPr>
+          <a:xfrm>
+            <a:off x="3923928" y="3889082"/>
+            <a:ext cx="1894173" cy="369332"/>
+          </a:xfrm>
+          <a:prstGeom prst="rect">
+            <a:avLst/>
+          </a:prstGeom>
+        </p:spPr>
+        <p:txBody>
+          <a:bodyPr wrap="none">
+            <a:spAutoFit/>
+          </a:bodyPr>
+          <a:lstStyle/>
+          <a:p>
+            <a:r>
+              <a:rPr lang="en-US" altLang="ko-KR" b="1" dirty="0">
+                <a:solidFill>
+                  <a:srgbClr val="0070C0"/>
+                </a:solidFill>
+                <a:ea typeface="나눔고딕 ExtraBold" pitchFamily="50" charset="-127"/>
+              </a:rPr>
+              <a:t>Part5. </a:t>
+            </a:r>
+            <a:r>
+              <a:rPr lang="ko-KR" altLang="en-US" b="1" dirty="0">
+                <a:solidFill>
+                  <a:srgbClr val="0070C0"/>
+                </a:solidFill>
+                <a:ea typeface="나눔고딕 ExtraBold" pitchFamily="50" charset="-127"/>
+              </a:rPr>
+              <a:t>개발 현황</a:t>
+            </a:r>
+            <a:endParaRPr lang="ko-KR" altLang="en-US" b="1" dirty="0"/>
+          </a:p>
+        </p:txBody>
+      </p:sp>
+      <p:sp>
+        <p:nvSpPr>
+          <p:cNvPr id="16" name="타원 15"/>
+          <p:cNvSpPr/>
+          <p:nvPr/>
+        </p:nvSpPr>
+        <p:spPr>
+          <a:xfrm>
+            <a:off x="3018280" y="4405088"/>
+            <a:ext cx="452861" cy="452861"/>
+          </a:xfrm>
+          <a:prstGeom prst="ellipse">
+            <a:avLst/>
+          </a:prstGeom>
+          <a:solidFill>
+            <a:srgbClr val="FF7C80">
+              <a:alpha val="75000"/>
+            </a:srgbClr>
+          </a:solidFill>
+          <a:ln>
+            <a:noFill/>
+          </a:ln>
+          <a:effectLst/>
+          <a:scene3d>
+            <a:camera prst="orthographicFront"/>
+            <a:lightRig rig="balanced" dir="t"/>
+          </a:scene3d>
+          <a:sp3d prstMaterial="softEdge">
+            <a:bevelT/>
+          </a:sp3d>
+        </p:spPr>
+        <p:style>
+          <a:lnRef idx="2">
+            <a:schemeClr val="accent1">
+              <a:shade val="50000"/>
+            </a:schemeClr>
+          </a:lnRef>
+          <a:fillRef idx="1">
+            <a:schemeClr val="accent1"/>
+          </a:fillRef>
+          <a:effectRef idx="0">
+            <a:schemeClr val="accent1"/>
+          </a:effectRef>
+          <a:fontRef idx="minor">
+            <a:schemeClr val="lt1"/>
+          </a:fontRef>
+        </p:style>
+        <p:txBody>
+          <a:bodyPr rtlCol="0" anchor="ctr"/>
+          <a:lstStyle/>
+          <a:p>
+            <a:pPr algn="ctr"/>
+            <a:endParaRPr lang="ko-KR" altLang="en-US" b="1"/>
+          </a:p>
+        </p:txBody>
+      </p:sp>
+      <p:sp>
+        <p:nvSpPr>
+          <p:cNvPr id="17" name="타원 16"/>
+          <p:cNvSpPr/>
+          <p:nvPr/>
+        </p:nvSpPr>
+        <p:spPr>
+          <a:xfrm>
+            <a:off x="2429334" y="4915555"/>
+            <a:ext cx="452861" cy="452861"/>
+          </a:xfrm>
+          <a:prstGeom prst="ellipse">
+            <a:avLst/>
+          </a:prstGeom>
+          <a:solidFill>
+            <a:srgbClr val="FFC000">
+              <a:alpha val="75000"/>
+            </a:srgbClr>
+          </a:solidFill>
+          <a:ln>
+            <a:noFill/>
+          </a:ln>
+          <a:effectLst/>
+          <a:scene3d>
+            <a:camera prst="orthographicFront"/>
+            <a:lightRig rig="balanced" dir="t"/>
+          </a:scene3d>
+          <a:sp3d prstMaterial="softEdge">
+            <a:bevelT/>
+          </a:sp3d>
+        </p:spPr>
+        <p:style>
+          <a:lnRef idx="2">
+            <a:schemeClr val="accent1">
+              <a:shade val="50000"/>
+            </a:schemeClr>
+          </a:lnRef>
+          <a:fillRef idx="1">
+            <a:schemeClr val="accent1"/>
+          </a:fillRef>
+          <a:effectRef idx="0">
+            <a:schemeClr val="accent1"/>
+          </a:effectRef>
+          <a:fontRef idx="minor">
+            <a:schemeClr val="lt1"/>
+          </a:fontRef>
+        </p:style>
+        <p:txBody>
+          <a:bodyPr rtlCol="0" anchor="ctr"/>
+          <a:lstStyle/>
+          <a:p>
+            <a:pPr algn="ctr"/>
+            <a:endParaRPr lang="ko-KR" altLang="en-US" b="1"/>
+          </a:p>
+        </p:txBody>
+      </p:sp>
+      <p:sp>
+        <p:nvSpPr>
+          <p:cNvPr id="18" name="타원 17"/>
+          <p:cNvSpPr/>
+          <p:nvPr/>
+        </p:nvSpPr>
+        <p:spPr>
+          <a:xfrm>
+            <a:off x="1898994" y="5424411"/>
+            <a:ext cx="452861" cy="452861"/>
+          </a:xfrm>
+          <a:prstGeom prst="ellipse">
+            <a:avLst/>
+          </a:prstGeom>
+          <a:solidFill>
+            <a:schemeClr val="accent5">
+              <a:lumMod val="75000"/>
+              <a:alpha val="75000"/>
+            </a:schemeClr>
+          </a:solidFill>
+          <a:ln>
+            <a:noFill/>
+          </a:ln>
+          <a:effectLst/>
+          <a:scene3d>
+            <a:camera prst="orthographicFront"/>
+            <a:lightRig rig="balanced" dir="t"/>
+          </a:scene3d>
+          <a:sp3d prstMaterial="softEdge">
+            <a:bevelT/>
+          </a:sp3d>
+        </p:spPr>
+        <p:style>
+          <a:lnRef idx="2">
+            <a:schemeClr val="accent1">
+              <a:shade val="50000"/>
+            </a:schemeClr>
+          </a:lnRef>
+          <a:fillRef idx="1">
+            <a:schemeClr val="accent1"/>
+          </a:fillRef>
+          <a:effectRef idx="0">
+            <a:schemeClr val="accent1"/>
+          </a:effectRef>
+          <a:fontRef idx="minor">
+            <a:schemeClr val="lt1"/>
+          </a:fontRef>
+        </p:style>
+        <p:txBody>
+          <a:bodyPr rtlCol="0" anchor="ctr"/>
+          <a:lstStyle/>
+          <a:p>
+            <a:pPr algn="ctr"/>
+            <a:endParaRPr lang="ko-KR" altLang="en-US" b="1"/>
+          </a:p>
+        </p:txBody>
+      </p:sp>
+      <p:sp>
+        <p:nvSpPr>
+          <p:cNvPr id="19" name="직사각형 18"/>
+          <p:cNvSpPr/>
+          <p:nvPr/>
+        </p:nvSpPr>
+        <p:spPr>
+          <a:xfrm>
+            <a:off x="3606657" y="4443540"/>
+            <a:ext cx="1894173" cy="369332"/>
+          </a:xfrm>
+          <a:prstGeom prst="rect">
+            <a:avLst/>
+          </a:prstGeom>
+        </p:spPr>
+        <p:txBody>
+          <a:bodyPr wrap="none">
+            <a:spAutoFit/>
+          </a:bodyPr>
+          <a:lstStyle/>
+          <a:p>
+            <a:r>
+              <a:rPr lang="en-US" altLang="ko-KR" b="1" dirty="0">
+                <a:solidFill>
+                  <a:srgbClr val="0070C0"/>
+                </a:solidFill>
+                <a:ea typeface="나눔고딕 ExtraBold" pitchFamily="50" charset="-127"/>
+              </a:rPr>
+              <a:t>Part6. </a:t>
+            </a:r>
+            <a:r>
+              <a:rPr lang="ko-KR" altLang="en-US" b="1" dirty="0">
+                <a:solidFill>
+                  <a:srgbClr val="0070C0"/>
+                </a:solidFill>
+                <a:ea typeface="나눔고딕 ExtraBold" pitchFamily="50" charset="-127"/>
+              </a:rPr>
+              <a:t>업무 분담</a:t>
+            </a:r>
+            <a:endParaRPr lang="ko-KR" altLang="en-US" b="1" dirty="0"/>
+          </a:p>
+        </p:txBody>
+      </p:sp>
+      <p:sp>
+        <p:nvSpPr>
+          <p:cNvPr id="20" name="직사각형 19"/>
+          <p:cNvSpPr/>
+          <p:nvPr/>
+        </p:nvSpPr>
+        <p:spPr>
+          <a:xfrm>
+            <a:off x="3028251" y="4956806"/>
+            <a:ext cx="1894173" cy="369332"/>
+          </a:xfrm>
+          <a:prstGeom prst="rect">
+            <a:avLst/>
+          </a:prstGeom>
+        </p:spPr>
+        <p:txBody>
+          <a:bodyPr wrap="none">
+            <a:spAutoFit/>
+          </a:bodyPr>
+          <a:lstStyle/>
+          <a:p>
+            <a:r>
+              <a:rPr lang="en-US" altLang="ko-KR" b="1" dirty="0">
+                <a:solidFill>
+                  <a:srgbClr val="0070C0"/>
+                </a:solidFill>
+                <a:ea typeface="나눔고딕 ExtraBold" pitchFamily="50" charset="-127"/>
+              </a:rPr>
+              <a:t>Part7. </a:t>
+            </a:r>
+            <a:r>
+              <a:rPr lang="ko-KR" altLang="en-US" b="1" dirty="0">
+                <a:solidFill>
+                  <a:srgbClr val="0070C0"/>
+                </a:solidFill>
+                <a:ea typeface="나눔고딕 ExtraBold" pitchFamily="50" charset="-127"/>
+              </a:rPr>
+              <a:t>수행 일정</a:t>
+            </a:r>
+            <a:endParaRPr lang="ko-KR" altLang="en-US" b="1" dirty="0"/>
+          </a:p>
+        </p:txBody>
+      </p:sp>
+      <p:sp>
+        <p:nvSpPr>
+          <p:cNvPr id="21" name="직사각형 20"/>
+          <p:cNvSpPr/>
+          <p:nvPr/>
+        </p:nvSpPr>
+        <p:spPr>
+          <a:xfrm>
+            <a:off x="2471549" y="5517232"/>
+            <a:ext cx="3187796" cy="369332"/>
+          </a:xfrm>
+          <a:prstGeom prst="rect">
+            <a:avLst/>
+          </a:prstGeom>
+        </p:spPr>
+        <p:txBody>
+          <a:bodyPr wrap="none">
+            <a:spAutoFit/>
+          </a:bodyPr>
+          <a:lstStyle/>
+          <a:p>
+            <a:r>
+              <a:rPr lang="en-US" altLang="ko-KR" b="1" dirty="0">
+                <a:solidFill>
+                  <a:srgbClr val="0070C0"/>
+                </a:solidFill>
+                <a:ea typeface="나눔고딕 ExtraBold" pitchFamily="50" charset="-127"/>
+              </a:rPr>
+              <a:t>Part8. </a:t>
+            </a:r>
+            <a:r>
+              <a:rPr lang="ko-KR" altLang="en-US" b="1" dirty="0">
+                <a:solidFill>
+                  <a:srgbClr val="0070C0"/>
+                </a:solidFill>
+                <a:ea typeface="나눔고딕 ExtraBold" pitchFamily="50" charset="-127"/>
+              </a:rPr>
+              <a:t>필요 기술 및 참고문헌</a:t>
+            </a:r>
+            <a:endParaRPr lang="ko-KR" altLang="en-US" b="1" dirty="0"/>
+          </a:p>
+        </p:txBody>
+      </p:sp>
+    </p:spTree>
+  </p:cSld>
+  <p:clrMapOvr>
+    <a:masterClrMapping/>
+  </p:clrMapOvr>
+</p:sld>
+</file>
+
+<file path=ppt/slides/slide20.xml><?xml version="1.0" encoding="utf-8"?>
 <p:sld xmlns:a="http://schemas.openxmlformats.org/drawingml/2006/main" xmlns:r="http://schemas.openxmlformats.org/officeDocument/2006/relationships" xmlns:p="http://schemas.openxmlformats.org/presentationml/2006/main">
   <p:cSld>
     <p:spTree>
@@ -13564,7 +12764,7 @@
         </p:nvSpPr>
         <p:spPr>
           <a:xfrm>
-            <a:off x="1763688" y="1207083"/>
+            <a:off x="1763688" y="633008"/>
             <a:ext cx="5688632" cy="830997"/>
           </a:xfrm>
           <a:prstGeom prst="rect">
@@ -13651,7 +12851,7 @@
         </p:nvSpPr>
         <p:spPr>
           <a:xfrm>
-            <a:off x="467544" y="3280220"/>
+            <a:off x="341416" y="2579329"/>
             <a:ext cx="8280920" cy="2062103"/>
           </a:xfrm>
           <a:prstGeom prst="rect">
@@ -13747,7 +12947,7 @@
         </p:nvSpPr>
         <p:spPr>
           <a:xfrm>
-            <a:off x="305640" y="3049771"/>
+            <a:off x="179512" y="2348880"/>
             <a:ext cx="8568952" cy="2467461"/>
           </a:xfrm>
           <a:prstGeom prst="rect">
@@ -13801,7 +13001,7 @@
 </p:sld>
 </file>
 
-<file path=ppt/slides/slide22.xml><?xml version="1.0" encoding="utf-8"?>
+<file path=ppt/slides/slide21.xml><?xml version="1.0" encoding="utf-8"?>
 <p:sld xmlns:a="http://schemas.openxmlformats.org/drawingml/2006/main" xmlns:r="http://schemas.openxmlformats.org/officeDocument/2006/relationships" xmlns:p="http://schemas.openxmlformats.org/presentationml/2006/main">
   <p:cSld>
     <p:spTree>
@@ -14009,7 +13209,7 @@
           <p:nvPr>
             <p:extLst>
               <p:ext uri="{D42A27DB-BD31-4B8C-83A1-F6EECF244321}">
-                <p14:modId xmlns:p14="http://schemas.microsoft.com/office/powerpoint/2010/main" val="1826790236"/>
+                <p14:modId xmlns:p14="http://schemas.microsoft.com/office/powerpoint/2010/main" val="2373924519"/>
               </p:ext>
             </p:extLst>
           </p:nvPr>
@@ -14962,14 +14162,24 @@
                         <a:t> XML </a:t>
                       </a:r>
                       <a:r>
-                        <a:rPr kumimoji="0" lang="ko-KR" altLang="en-US" sz="1300" b="1" u="none" strike="noStrike" cap="none" normalizeH="0" baseline="0" dirty="0" err="1">
+                        <a:rPr kumimoji="0" lang="ko-KR" altLang="en-US" sz="1300" b="1" u="none" strike="noStrike" cap="none" normalizeH="0" baseline="0" dirty="0" err="1" smtClean="0">
                           <a:solidFill>
                             <a:schemeClr val="tx2">
                               <a:lumMod val="75000"/>
                             </a:schemeClr>
                           </a:solidFill>
                         </a:rPr>
-                        <a:t>파싱법</a:t>
+                        <a:t>파싱</a:t>
+                      </a:r>
+                      <a:r>
+                        <a:rPr kumimoji="0" lang="ko-KR" altLang="en-US" sz="1300" b="1" u="none" strike="noStrike" cap="none" normalizeH="0" baseline="0" dirty="0" smtClean="0">
+                          <a:solidFill>
+                            <a:schemeClr val="tx2">
+                              <a:lumMod val="75000"/>
+                            </a:schemeClr>
+                          </a:solidFill>
+                        </a:rPr>
+                        <a:t> 법</a:t>
                       </a:r>
                       <a:endParaRPr kumimoji="0" lang="ko-KR" altLang="en-US" sz="1300" b="1" i="0" u="none" strike="noStrike" cap="none" normalizeH="0" baseline="0" dirty="0">
                         <a:solidFill>
@@ -15801,7 +15011,7 @@
                         <a:defRPr/>
                       </a:pPr>
                       <a:r>
-                        <a:rPr kumimoji="0" lang="ko-KR" altLang="en-US" sz="1300" b="1" u="none" strike="noStrike" cap="none" normalizeH="0" baseline="0" dirty="0">
+                        <a:rPr kumimoji="0" lang="ko-KR" altLang="en-US" sz="1300" b="1" u="none" strike="noStrike" cap="none" normalizeH="0" baseline="0" dirty="0" smtClean="0">
                           <a:solidFill>
                             <a:schemeClr val="tx2">
                               <a:lumMod val="75000"/>
@@ -15809,7 +15019,7 @@
                           </a:solidFill>
                           <a:effectLst/>
                         </a:rPr>
-                        <a:t>서버와 </a:t>
+                        <a:t> 서버와 </a:t>
                       </a:r>
                       <a:r>
                         <a:rPr kumimoji="0" lang="en-US" altLang="ko-KR" sz="1300" b="1" u="none" strike="noStrike" cap="none" normalizeH="0" baseline="0" dirty="0">
@@ -15859,7 +15069,7 @@
                         <a:defRPr/>
                       </a:pPr>
                       <a:r>
-                        <a:rPr kumimoji="0" lang="ko-KR" altLang="en-US" sz="1300" b="1" i="0" u="none" strike="noStrike" cap="none" normalizeH="0" baseline="0" dirty="0">
+                        <a:rPr kumimoji="0" lang="ko-KR" altLang="en-US" sz="1300" b="1" i="0" u="none" strike="noStrike" cap="none" normalizeH="0" baseline="0" dirty="0" smtClean="0">
                           <a:solidFill>
                             <a:schemeClr val="tx2">
                               <a:lumMod val="75000"/>
@@ -15869,7 +15079,100 @@
                           <a:latin typeface="맑은 고딕"/>
                           <a:ea typeface="맑은 고딕"/>
                         </a:rPr>
-                        <a:t>매칭 시스템</a:t>
+                        <a:t> 매칭 시스템</a:t>
+                      </a:r>
+                      <a:endParaRPr kumimoji="0" lang="en-US" altLang="ko-KR" sz="1300" b="1" i="0" u="none" strike="noStrike" cap="none" normalizeH="0" baseline="0" dirty="0" smtClean="0">
+                        <a:solidFill>
+                          <a:schemeClr val="tx2">
+                            <a:lumMod val="75000"/>
+                          </a:schemeClr>
+                        </a:solidFill>
+                        <a:effectLst/>
+                        <a:latin typeface="맑은 고딕"/>
+                        <a:ea typeface="맑은 고딕"/>
+                      </a:endParaRPr>
+                    </a:p>
+                    <a:p>
+                      <a:pPr marL="0" marR="0" lvl="0" indent="0" algn="l" defTabSz="914400" rtl="0" eaLnBrk="1" latinLnBrk="0" hangingPunct="0">
+                        <a:lnSpc>
+                          <a:spcPct val="120000"/>
+                        </a:lnSpc>
+                        <a:spcBef>
+                          <a:spcPts val="300"/>
+                        </a:spcBef>
+                        <a:spcAft>
+                          <a:spcPct val="0"/>
+                        </a:spcAft>
+                        <a:buClrTx/>
+                        <a:buFont typeface="Wingdings"/>
+                        <a:buChar char="v"/>
+                        <a:defRPr/>
+                      </a:pPr>
+                      <a:r>
+                        <a:rPr kumimoji="0" lang="ko-KR" altLang="en-US" sz="1300" b="1" i="0" u="none" strike="noStrike" cap="none" normalizeH="0" baseline="0" dirty="0" smtClean="0">
+                          <a:solidFill>
+                            <a:schemeClr val="tx2">
+                              <a:lumMod val="75000"/>
+                            </a:schemeClr>
+                          </a:solidFill>
+                          <a:effectLst/>
+                          <a:latin typeface="맑은 고딕"/>
+                          <a:ea typeface="맑은 고딕"/>
+                        </a:rPr>
+                        <a:t> 초성 게임 알고리즘</a:t>
+                      </a:r>
+                      <a:endParaRPr kumimoji="0" lang="en-US" altLang="ko-KR" sz="1300" b="1" i="0" u="none" strike="noStrike" cap="none" normalizeH="0" baseline="0" dirty="0" smtClean="0">
+                        <a:solidFill>
+                          <a:schemeClr val="tx2">
+                            <a:lumMod val="75000"/>
+                          </a:schemeClr>
+                        </a:solidFill>
+                        <a:effectLst/>
+                        <a:latin typeface="맑은 고딕"/>
+                        <a:ea typeface="맑은 고딕"/>
+                      </a:endParaRPr>
+                    </a:p>
+                    <a:p>
+                      <a:pPr marL="0" marR="0" lvl="0" indent="0" algn="l" defTabSz="914400" rtl="0" eaLnBrk="1" latinLnBrk="0" hangingPunct="0">
+                        <a:lnSpc>
+                          <a:spcPct val="120000"/>
+                        </a:lnSpc>
+                        <a:spcBef>
+                          <a:spcPts val="300"/>
+                        </a:spcBef>
+                        <a:spcAft>
+                          <a:spcPct val="0"/>
+                        </a:spcAft>
+                        <a:buClrTx/>
+                        <a:buFont typeface="Wingdings"/>
+                        <a:buChar char="v"/>
+                        <a:defRPr/>
+                      </a:pPr>
+                      <a:r>
+                        <a:rPr kumimoji="0" lang="en-US" altLang="ko-KR" sz="1300" b="1" i="0" u="none" strike="noStrike" cap="none" normalizeH="0" baseline="0" dirty="0" smtClean="0">
+                          <a:solidFill>
+                            <a:schemeClr val="tx2">
+                              <a:lumMod val="75000"/>
+                            </a:schemeClr>
+                          </a:solidFill>
+                          <a:effectLst/>
+                          <a:latin typeface="맑은 고딕"/>
+                          <a:ea typeface="맑은 고딕"/>
+                        </a:rPr>
+                        <a:t> XML </a:t>
+                      </a:r>
+                      <a:r>
+                        <a:rPr kumimoji="0" lang="ko-KR" altLang="en-US" sz="1300" b="1" i="0" u="none" strike="noStrike" cap="none" normalizeH="0" baseline="0" dirty="0" err="1" smtClean="0">
+                          <a:solidFill>
+                            <a:schemeClr val="tx2">
+                              <a:lumMod val="75000"/>
+                            </a:schemeClr>
+                          </a:solidFill>
+                          <a:effectLst/>
+                          <a:latin typeface="맑은 고딕"/>
+                          <a:ea typeface="맑은 고딕"/>
+                        </a:rPr>
+                        <a:t>파싱</a:t>
                       </a:r>
                       <a:endParaRPr kumimoji="0" lang="ko-KR" altLang="en-US" sz="1300" b="1" i="0" u="none" strike="noStrike" cap="none" normalizeH="0" baseline="0" dirty="0">
                         <a:solidFill>
@@ -15965,7 +15268,7 @@
                         <a:t> </a:t>
                       </a:r>
                       <a:r>
-                        <a:rPr kumimoji="0" lang="ko-KR" altLang="en-US" sz="1300" b="1" i="0" u="none" strike="noStrike" cap="none" normalizeH="0" baseline="0" dirty="0" err="1">
+                        <a:rPr kumimoji="0" lang="ko-KR" altLang="en-US" sz="1300" b="1" i="0" u="none" strike="noStrike" cap="none" normalizeH="0" baseline="0" dirty="0" smtClean="0">
                           <a:solidFill>
                             <a:schemeClr val="tx2">
                               <a:lumMod val="75000"/>
@@ -15975,7 +15278,7 @@
                           <a:latin typeface="맑은 고딕"/>
                           <a:ea typeface="맑은 고딕"/>
                         </a:rPr>
-                        <a:t>초성게임</a:t>
+                        <a:t>초성 게임</a:t>
                       </a:r>
                       <a:endParaRPr kumimoji="0" lang="ko-KR" altLang="en-US" sz="1300" b="1" i="0" u="none" strike="noStrike" cap="none" normalizeH="0" baseline="0" dirty="0">
                         <a:solidFill>
@@ -16395,7 +15698,56 @@
                           </a:solidFill>
                           <a:effectLst/>
                         </a:rPr>
-                        <a:t>프로그램 테스트</a:t>
+                        <a:t>프로그램 </a:t>
+                      </a:r>
+                      <a:r>
+                        <a:rPr kumimoji="0" lang="ko-KR" altLang="en-US" sz="1300" b="1" u="none" strike="noStrike" cap="none" normalizeH="0" baseline="0" dirty="0" smtClean="0">
+                          <a:solidFill>
+                            <a:schemeClr val="tx2">
+                              <a:lumMod val="75000"/>
+                            </a:schemeClr>
+                          </a:solidFill>
+                          <a:effectLst/>
+                        </a:rPr>
+                        <a:t>테스트</a:t>
+                      </a:r>
+                      <a:endParaRPr kumimoji="0" lang="en-US" altLang="ko-KR" sz="1300" b="1" u="none" strike="noStrike" cap="none" normalizeH="0" baseline="0" dirty="0" smtClean="0">
+                        <a:solidFill>
+                          <a:schemeClr val="tx2">
+                            <a:lumMod val="75000"/>
+                          </a:schemeClr>
+                        </a:solidFill>
+                        <a:effectLst/>
+                      </a:endParaRPr>
+                    </a:p>
+                    <a:p>
+                      <a:pPr marL="0" marR="0" lvl="0" indent="0" algn="l" defTabSz="914400" rtl="0" eaLnBrk="1" latinLnBrk="0" hangingPunct="0">
+                        <a:lnSpc>
+                          <a:spcPct val="120000"/>
+                        </a:lnSpc>
+                        <a:spcBef>
+                          <a:spcPts val="300"/>
+                        </a:spcBef>
+                        <a:spcAft>
+                          <a:spcPct val="0"/>
+                        </a:spcAft>
+                        <a:buClrTx/>
+                        <a:buFont typeface="Wingdings"/>
+                        <a:buChar char="v"/>
+                        <a:defRPr/>
+                      </a:pPr>
+                      <a:r>
+                        <a:rPr kumimoji="0" lang="ko-KR" altLang="en-US" sz="1300" b="1" i="0" u="none" strike="noStrike" cap="none" normalizeH="0" baseline="0" dirty="0" smtClean="0">
+                          <a:solidFill>
+                            <a:schemeClr val="tx2">
+                              <a:lumMod val="75000"/>
+                            </a:schemeClr>
+                          </a:solidFill>
+                          <a:effectLst/>
+                          <a:latin typeface="맑은 고딕"/>
+                          <a:ea typeface="맑은 고딕"/>
+                        </a:rPr>
+                        <a:t> 서버 유지</a:t>
                       </a:r>
                       <a:endParaRPr kumimoji="0" lang="ko-KR" altLang="en-US" sz="1300" b="1" i="0" u="none" strike="noStrike" cap="none" normalizeH="0" baseline="0" dirty="0">
                         <a:solidFill>
@@ -16488,7 +15840,7 @@
 </p:sld>
 </file>
 
-<file path=ppt/slides/slide23.xml><?xml version="1.0" encoding="utf-8"?>
+<file path=ppt/slides/slide22.xml><?xml version="1.0" encoding="utf-8"?>
 <p:sld xmlns:a="http://schemas.openxmlformats.org/drawingml/2006/main" xmlns:r="http://schemas.openxmlformats.org/officeDocument/2006/relationships" xmlns:p="http://schemas.openxmlformats.org/presentationml/2006/main">
   <p:cSld>
     <p:spTree>
@@ -19402,7 +18754,7 @@
 </p:sld>
 </file>
 
-<file path=ppt/slides/slide24.xml><?xml version="1.0" encoding="utf-8"?>
+<file path=ppt/slides/slide23.xml><?xml version="1.0" encoding="utf-8"?>
 <p:sld xmlns:a="http://schemas.openxmlformats.org/drawingml/2006/main" xmlns:r="http://schemas.openxmlformats.org/officeDocument/2006/relationships" xmlns:p="http://schemas.openxmlformats.org/presentationml/2006/main">
   <p:cSld>
     <p:spTree>
@@ -21263,7 +20615,7 @@
 </p:sld>
 </file>
 
-<file path=ppt/slides/slide25.xml><?xml version="1.0" encoding="utf-8"?>
+<file path=ppt/slides/slide24.xml><?xml version="1.0" encoding="utf-8"?>
 <p:sld xmlns:a="http://schemas.openxmlformats.org/drawingml/2006/main" xmlns:r="http://schemas.openxmlformats.org/officeDocument/2006/relationships" xmlns:p="http://schemas.openxmlformats.org/presentationml/2006/main">
   <p:cSld>
     <p:spTree>
@@ -21518,8 +20870,8 @@
         </p:nvSpPr>
         <p:spPr>
           <a:xfrm>
-            <a:off x="971600" y="2420888"/>
-            <a:ext cx="7920880" cy="2400657"/>
+            <a:off x="611560" y="1628800"/>
+            <a:ext cx="7920880" cy="3600986"/>
           </a:xfrm>
           <a:prstGeom prst="rect">
             <a:avLst/>
@@ -21554,6 +20906,28 @@
           </a:p>
           <a:p>
             <a:pPr algn="just"/>
+            <a:endParaRPr lang="en-US" altLang="ko-KR" sz="1400" dirty="0" smtClean="0">
+              <a:solidFill>
+                <a:schemeClr val="tx1">
+                  <a:lumMod val="75000"/>
+                  <a:lumOff val="25000"/>
+                </a:schemeClr>
+              </a:solidFill>
+            </a:endParaRPr>
+          </a:p>
+          <a:p>
+            <a:pPr algn="just"/>
+            <a:endParaRPr lang="en-US" altLang="ko-KR" sz="1400" dirty="0" smtClean="0">
+              <a:solidFill>
+                <a:schemeClr val="tx1">
+                  <a:lumMod val="75000"/>
+                  <a:lumOff val="25000"/>
+                </a:schemeClr>
+              </a:solidFill>
+            </a:endParaRPr>
+          </a:p>
+          <a:p>
+            <a:pPr algn="just"/>
             <a:endParaRPr lang="en-US" altLang="ko-KR" sz="1400" dirty="0">
               <a:solidFill>
                 <a:schemeClr val="tx1">
@@ -21564,47 +20938,124 @@
             </a:endParaRPr>
           </a:p>
           <a:p>
+            <a:pPr algn="just"/>
+            <a:endParaRPr lang="en-US" altLang="ko-KR" sz="1400" dirty="0">
+              <a:solidFill>
+                <a:schemeClr val="tx1">
+                  <a:lumMod val="75000"/>
+                  <a:lumOff val="25000"/>
+                </a:schemeClr>
+              </a:solidFill>
+            </a:endParaRPr>
+          </a:p>
+          <a:p>
             <a:pPr lvl="0" fontAlgn="base"/>
             <a:r>
+              <a:rPr lang="en-US" altLang="ko-KR" dirty="0" smtClean="0"/>
+              <a:t>1. APP </a:t>
+            </a:r>
+            <a:r>
+              <a:rPr lang="ko-KR" altLang="en-US" dirty="0"/>
+              <a:t>또는 </a:t>
+            </a:r>
+            <a:r>
               <a:rPr lang="en-US" altLang="ko-KR" dirty="0"/>
-              <a:t>1.  </a:t>
+              <a:t>Web</a:t>
             </a:r>
             <a:r>
               <a:rPr lang="ko-KR" altLang="en-US" dirty="0"/>
-              <a:t>난이도 데이터가 없으면 어떻게 할 것인지</a:t>
+              <a:t>으로 발전할 것</a:t>
             </a:r>
           </a:p>
           <a:p>
             <a:pPr lvl="0" fontAlgn="base"/>
             <a:r>
+              <a:rPr lang="en-US" altLang="ko-KR" dirty="0" smtClean="0"/>
+              <a:t>2. </a:t>
+            </a:r>
+            <a:r>
+              <a:rPr lang="ko-KR" altLang="en-US" dirty="0" smtClean="0"/>
+              <a:t>게임 성 </a:t>
+            </a:r>
+            <a:r>
+              <a:rPr lang="ko-KR" altLang="en-US" dirty="0"/>
+              <a:t>있게 </a:t>
+            </a:r>
+            <a:r>
               <a:rPr lang="en-US" altLang="ko-KR" dirty="0"/>
-              <a:t>2.  </a:t>
+              <a:t>UI </a:t>
             </a:r>
             <a:r>
               <a:rPr lang="ko-KR" altLang="en-US" dirty="0"/>
-              <a:t>단어의 난이도 조사</a:t>
+              <a:t>구성할 것</a:t>
             </a:r>
           </a:p>
           <a:p>
             <a:pPr lvl="0" fontAlgn="base"/>
             <a:r>
+              <a:rPr lang="en-US" altLang="ko-KR" dirty="0" smtClean="0"/>
+              <a:t>3. </a:t>
+            </a:r>
+            <a:r>
+              <a:rPr lang="ko-KR" altLang="en-US" dirty="0" smtClean="0"/>
+              <a:t>같이하기 </a:t>
+            </a:r>
+            <a:r>
+              <a:rPr lang="ko-KR" altLang="en-US" dirty="0"/>
+              <a:t>단체 방 설정할 수 있게 할 것</a:t>
+            </a:r>
+          </a:p>
+          <a:p>
+            <a:pPr lvl="0" fontAlgn="base"/>
+            <a:r>
+              <a:rPr lang="en-US" altLang="ko-KR" dirty="0" smtClean="0"/>
+              <a:t>4. </a:t>
+            </a:r>
+            <a:r>
+              <a:rPr lang="ko-KR" altLang="en-US" dirty="0" smtClean="0"/>
+              <a:t>문장 </a:t>
+            </a:r>
+            <a:r>
+              <a:rPr lang="ko-KR" altLang="en-US" dirty="0"/>
+              <a:t>맞추기 게임 </a:t>
+            </a:r>
+            <a:r>
               <a:rPr lang="en-US" altLang="ko-KR" dirty="0"/>
-              <a:t>3.  </a:t>
+              <a:t>DB</a:t>
             </a:r>
             <a:r>
               <a:rPr lang="ko-KR" altLang="en-US" dirty="0"/>
-              <a:t>사용 단어 구성</a:t>
+              <a:t>말고 다른 방법 생각</a:t>
             </a:r>
           </a:p>
           <a:p>
             <a:pPr lvl="0" fontAlgn="base"/>
             <a:r>
-              <a:rPr lang="en-US" altLang="ko-KR" dirty="0"/>
-              <a:t>4.  </a:t>
+              <a:rPr lang="en-US" altLang="ko-KR" dirty="0" smtClean="0"/>
+              <a:t>5. </a:t>
+            </a:r>
+            <a:r>
+              <a:rPr lang="ko-KR" altLang="en-US" dirty="0" smtClean="0"/>
+              <a:t>완성된 </a:t>
             </a:r>
             <a:r>
               <a:rPr lang="ko-KR" altLang="en-US" dirty="0"/>
-              <a:t>모듈 설계 내용 필요</a:t>
+              <a:t>문장 맞춰 보는 것은 부족함</a:t>
+            </a:r>
+          </a:p>
+          <a:p>
+            <a:pPr lvl="0" fontAlgn="base"/>
+            <a:r>
+              <a:rPr lang="en-US" altLang="ko-KR" dirty="0" smtClean="0"/>
+              <a:t>6. </a:t>
+            </a:r>
+            <a:r>
+              <a:rPr lang="ko-KR" altLang="en-US" dirty="0" smtClean="0"/>
+              <a:t>문장 </a:t>
+            </a:r>
+            <a:r>
+              <a:rPr lang="ko-KR" altLang="en-US" dirty="0"/>
+              <a:t>완성 유형을 다양하게</a:t>
             </a:r>
           </a:p>
           <a:p>
@@ -22035,7 +21486,7 @@
         <p:spPr>
           <a:xfrm>
             <a:off x="599845" y="975976"/>
-            <a:ext cx="7920880" cy="3077766"/>
+            <a:ext cx="7920880" cy="4185761"/>
           </a:xfrm>
           <a:prstGeom prst="rect">
             <a:avLst/>
@@ -22057,9 +21508,20 @@
                   </a:schemeClr>
                 </a:solidFill>
               </a:rPr>
-              <a:t>지적 사항에 대한 답변</a:t>
-            </a:r>
-            <a:endParaRPr lang="en-US" altLang="ko-KR" sz="3600" dirty="0">
+              <a:t>지적 사항에 대한 </a:t>
+            </a:r>
+            <a:r>
+              <a:rPr lang="ko-KR" altLang="en-US" sz="3600" dirty="0" smtClean="0">
+                <a:solidFill>
+                  <a:schemeClr val="tx1">
+                    <a:lumMod val="75000"/>
+                    <a:lumOff val="25000"/>
+                  </a:schemeClr>
+                </a:solidFill>
+              </a:rPr>
+              <a:t>답변</a:t>
+            </a:r>
+            <a:endParaRPr lang="en-US" altLang="ko-KR" sz="3600" dirty="0" smtClean="0">
               <a:solidFill>
                 <a:schemeClr val="tx1">
                   <a:lumMod val="75000"/>
@@ -22070,31 +21532,50 @@
           </a:p>
           <a:p>
             <a:pPr algn="ctr"/>
-            <a:r>
-              <a:rPr lang="en-US" altLang="ko-KR" sz="3600" dirty="0">
-                <a:solidFill>
-                  <a:schemeClr val="tx1">
-                    <a:lumMod val="75000"/>
-                    <a:lumOff val="25000"/>
-                  </a:schemeClr>
-                </a:solidFill>
-              </a:rPr>
-              <a:t>1,2.</a:t>
-            </a:r>
-            <a:r>
-              <a:rPr lang="ko-KR" altLang="en-US" sz="3600" dirty="0">
-                <a:solidFill>
-                  <a:schemeClr val="tx1">
-                    <a:lumMod val="75000"/>
-                    <a:lumOff val="25000"/>
-                  </a:schemeClr>
-                </a:solidFill>
-              </a:rPr>
-              <a:t> </a:t>
-            </a:r>
-            <a:r>
-              <a:rPr lang="ko-KR" altLang="en-US" sz="2000" dirty="0"/>
-              <a:t>단어들의 초성 별 빈도수를 이용하여 난이도 판단</a:t>
+            <a:endParaRPr lang="en-US" altLang="ko-KR" sz="3600" dirty="0" smtClean="0">
+              <a:solidFill>
+                <a:schemeClr val="tx1">
+                  <a:lumMod val="75000"/>
+                  <a:lumOff val="25000"/>
+                </a:schemeClr>
+              </a:solidFill>
+            </a:endParaRPr>
+          </a:p>
+          <a:p>
+            <a:pPr marL="457200" indent="-457200">
+              <a:buAutoNum type="arabicPeriod"/>
+            </a:pPr>
+            <a:r>
+              <a:rPr lang="en-US" altLang="ko-KR" sz="2400" dirty="0" smtClean="0"/>
+              <a:t>Mobile APP</a:t>
+            </a:r>
+            <a:r>
+              <a:rPr lang="ko-KR" altLang="en-US" sz="2400" dirty="0" smtClean="0"/>
+              <a:t>로 발전 계획 및 작성</a:t>
+            </a:r>
+            <a:endParaRPr lang="en-US" altLang="ko-KR" sz="2400" dirty="0" smtClean="0"/>
+          </a:p>
+          <a:p>
+            <a:pPr marL="457200" indent="-457200">
+              <a:buAutoNum type="arabicPeriod"/>
+            </a:pPr>
+            <a:endParaRPr lang="en-US" altLang="ko-KR" sz="2400" dirty="0" smtClean="0"/>
+          </a:p>
+          <a:p>
+            <a:pPr marL="457200" indent="-457200">
+              <a:buAutoNum type="arabicPeriod"/>
+            </a:pPr>
+            <a:r>
+              <a:rPr lang="ko-KR" altLang="en-US" sz="2400" dirty="0" smtClean="0"/>
+              <a:t>배경 이미지 및 사운드 추가</a:t>
+            </a:r>
+            <a:r>
+              <a:rPr lang="en-US" altLang="ko-KR" sz="2400" dirty="0" smtClean="0"/>
+              <a:t>, UI</a:t>
+            </a:r>
+            <a:r>
+              <a:rPr lang="ko-KR" altLang="en-US" sz="2400" dirty="0" smtClean="0"/>
+              <a:t>이미지 작성</a:t>
             </a:r>
           </a:p>
           <a:p>
@@ -22148,14 +21629,14 @@
       </p:sp>
       <p:pic>
         <p:nvPicPr>
-          <p:cNvPr id="2" name="그림 1"/>
+          <p:cNvPr id="3" name="그림 2"/>
           <p:cNvPicPr>
             <a:picLocks noChangeAspect="1"/>
           </p:cNvPicPr>
           <p:nvPr/>
         </p:nvPicPr>
         <p:blipFill>
-          <a:blip r:embed="rId3">
+          <a:blip r:embed="rId3" cstate="print">
             <a:extLst>
               <a:ext uri="{28A0092B-C50C-407E-A947-70E740481C1C}">
                 <a14:useLocalDpi xmlns:a14="http://schemas.microsoft.com/office/drawing/2010/main" val="0"/>
@@ -22168,8 +21649,98 @@
         </p:blipFill>
         <p:spPr>
           <a:xfrm>
-            <a:off x="646558" y="2459848"/>
-            <a:ext cx="7884368" cy="4042379"/>
+            <a:off x="2457874" y="4717874"/>
+            <a:ext cx="2186133" cy="1639600"/>
+          </a:xfrm>
+          <a:prstGeom prst="rect">
+            <a:avLst/>
+          </a:prstGeom>
+        </p:spPr>
+      </p:pic>
+      <p:pic>
+        <p:nvPicPr>
+          <p:cNvPr id="4" name="그림 3"/>
+          <p:cNvPicPr>
+            <a:picLocks noChangeAspect="1"/>
+          </p:cNvPicPr>
+          <p:nvPr/>
+        </p:nvPicPr>
+        <p:blipFill>
+          <a:blip r:embed="rId4" cstate="print">
+            <a:extLst>
+              <a:ext uri="{28A0092B-C50C-407E-A947-70E740481C1C}">
+                <a14:useLocalDpi xmlns:a14="http://schemas.microsoft.com/office/drawing/2010/main" val="0"/>
+              </a:ext>
+            </a:extLst>
+          </a:blip>
+          <a:stretch>
+            <a:fillRect/>
+          </a:stretch>
+        </p:blipFill>
+        <p:spPr>
+          <a:xfrm>
+            <a:off x="1216995" y="3570186"/>
+            <a:ext cx="2436770" cy="1827578"/>
+          </a:xfrm>
+          <a:prstGeom prst="rect">
+            <a:avLst/>
+          </a:prstGeom>
+        </p:spPr>
+      </p:pic>
+      <p:pic>
+        <p:nvPicPr>
+          <p:cNvPr id="5" name="그림 4"/>
+          <p:cNvPicPr>
+            <a:picLocks noChangeAspect="1"/>
+          </p:cNvPicPr>
+          <p:nvPr/>
+        </p:nvPicPr>
+        <p:blipFill>
+          <a:blip r:embed="rId5" cstate="print">
+            <a:extLst>
+              <a:ext uri="{28A0092B-C50C-407E-A947-70E740481C1C}">
+                <a14:useLocalDpi xmlns:a14="http://schemas.microsoft.com/office/drawing/2010/main" val="0"/>
+              </a:ext>
+            </a:extLst>
+          </a:blip>
+          <a:stretch>
+            <a:fillRect/>
+          </a:stretch>
+        </p:blipFill>
+        <p:spPr>
+          <a:xfrm>
+            <a:off x="4991208" y="4681244"/>
+            <a:ext cx="2101072" cy="1575804"/>
+          </a:xfrm>
+          <a:prstGeom prst="rect">
+            <a:avLst/>
+          </a:prstGeom>
+        </p:spPr>
+      </p:pic>
+      <p:pic>
+        <p:nvPicPr>
+          <p:cNvPr id="6" name="그림 5"/>
+          <p:cNvPicPr>
+            <a:picLocks noChangeAspect="1"/>
+          </p:cNvPicPr>
+          <p:nvPr/>
+        </p:nvPicPr>
+        <p:blipFill>
+          <a:blip r:embed="rId6">
+            <a:extLst>
+              <a:ext uri="{28A0092B-C50C-407E-A947-70E740481C1C}">
+                <a14:useLocalDpi xmlns:a14="http://schemas.microsoft.com/office/drawing/2010/main" val="0"/>
+              </a:ext>
+            </a:extLst>
+          </a:blip>
+          <a:stretch>
+            <a:fillRect/>
+          </a:stretch>
+        </p:blipFill>
+        <p:spPr>
+          <a:xfrm>
+            <a:off x="7326086" y="3663079"/>
+            <a:ext cx="1140413" cy="1498658"/>
           </a:xfrm>
           <a:prstGeom prst="rect">
             <a:avLst/>
@@ -22447,7 +22018,7 @@
         <p:spPr>
           <a:xfrm>
             <a:off x="767198" y="980728"/>
-            <a:ext cx="7920880" cy="4093428"/>
+            <a:ext cx="7920880" cy="5078313"/>
           </a:xfrm>
           <a:prstGeom prst="rect">
             <a:avLst/>
@@ -22492,9 +22063,9 @@
             </a:endParaRPr>
           </a:p>
           <a:p>
-            <a:pPr lvl="0" algn="just"/>
-            <a:r>
-              <a:rPr lang="en-US" altLang="ko-KR" sz="3600" dirty="0">
+            <a:pPr lvl="0"/>
+            <a:r>
+              <a:rPr lang="en-US" altLang="ko-KR" sz="2000" dirty="0" smtClean="0">
                 <a:solidFill>
                   <a:schemeClr val="tx1">
                     <a:lumMod val="75000"/>
@@ -22505,84 +22076,427 @@
               <a:t>3. </a:t>
             </a:r>
             <a:r>
-              <a:rPr lang="ko-KR" altLang="en-US" sz="2800" dirty="0"/>
-              <a:t>사용 단어 구성</a:t>
-            </a:r>
-            <a:r>
-              <a:rPr lang="en-US" altLang="ko-KR" sz="2800" dirty="0"/>
-              <a:t>(</a:t>
-            </a:r>
-            <a:r>
-              <a:rPr lang="ko-KR" altLang="en-US" sz="2800" dirty="0"/>
-              <a:t>문장 게임</a:t>
-            </a:r>
-            <a:r>
-              <a:rPr lang="en-US" altLang="ko-KR" sz="2800" dirty="0"/>
+              <a:rPr lang="ko-KR" altLang="en-US" sz="2000" dirty="0" smtClean="0">
+                <a:solidFill>
+                  <a:schemeClr val="tx1">
+                    <a:lumMod val="75000"/>
+                    <a:lumOff val="25000"/>
+                  </a:schemeClr>
+                </a:solidFill>
+              </a:rPr>
+              <a:t>같이하기 기능</a:t>
+            </a:r>
+            <a:endParaRPr lang="en-US" altLang="ko-KR" sz="2000" dirty="0" smtClean="0">
+              <a:solidFill>
+                <a:schemeClr val="tx1">
+                  <a:lumMod val="75000"/>
+                  <a:lumOff val="25000"/>
+                </a:schemeClr>
+              </a:solidFill>
+            </a:endParaRPr>
+          </a:p>
+          <a:p>
+            <a:pPr lvl="0"/>
+            <a:r>
+              <a:rPr lang="en-US" altLang="ko-KR" sz="2000" dirty="0" smtClean="0">
+                <a:solidFill>
+                  <a:schemeClr val="tx1">
+                    <a:lumMod val="75000"/>
+                    <a:lumOff val="25000"/>
+                  </a:schemeClr>
+                </a:solidFill>
+              </a:rPr>
+              <a:t>	- </a:t>
+            </a:r>
+            <a:r>
+              <a:rPr lang="ko-KR" altLang="en-US" sz="2000" dirty="0" smtClean="0">
+                <a:solidFill>
+                  <a:schemeClr val="tx1">
+                    <a:lumMod val="75000"/>
+                    <a:lumOff val="25000"/>
+                  </a:schemeClr>
+                </a:solidFill>
+              </a:rPr>
+              <a:t>대기중인 방 있는지 확인</a:t>
+            </a:r>
+            <a:endParaRPr lang="en-US" altLang="ko-KR" sz="2000" dirty="0">
+              <a:solidFill>
+                <a:schemeClr val="tx1">
+                  <a:lumMod val="75000"/>
+                  <a:lumOff val="25000"/>
+                </a:schemeClr>
+              </a:solidFill>
+            </a:endParaRPr>
+          </a:p>
+          <a:p>
+            <a:pPr lvl="0"/>
+            <a:r>
+              <a:rPr lang="en-US" altLang="ko-KR" sz="2000" dirty="0" smtClean="0">
+                <a:solidFill>
+                  <a:schemeClr val="tx1">
+                    <a:lumMod val="75000"/>
+                    <a:lumOff val="25000"/>
+                  </a:schemeClr>
+                </a:solidFill>
+              </a:rPr>
+              <a:t>	- </a:t>
+            </a:r>
+            <a:r>
+              <a:rPr lang="ko-KR" altLang="en-US" sz="2000" dirty="0" smtClean="0">
+                <a:solidFill>
+                  <a:schemeClr val="tx1">
+                    <a:lumMod val="75000"/>
+                    <a:lumOff val="25000"/>
+                  </a:schemeClr>
+                </a:solidFill>
+              </a:rPr>
+              <a:t>접속중인 유저 확인</a:t>
+            </a:r>
+            <a:endParaRPr lang="en-US" altLang="ko-KR" sz="2000" dirty="0" smtClean="0">
+              <a:solidFill>
+                <a:schemeClr val="tx1">
+                  <a:lumMod val="75000"/>
+                  <a:lumOff val="25000"/>
+                </a:schemeClr>
+              </a:solidFill>
+            </a:endParaRPr>
+          </a:p>
+          <a:p>
+            <a:pPr lvl="0"/>
+            <a:endParaRPr lang="en-US" altLang="ko-KR" sz="2000" dirty="0">
+              <a:solidFill>
+                <a:schemeClr val="tx1">
+                  <a:lumMod val="75000"/>
+                  <a:lumOff val="25000"/>
+                </a:schemeClr>
+              </a:solidFill>
+            </a:endParaRPr>
+          </a:p>
+          <a:p>
+            <a:pPr lvl="0"/>
+            <a:r>
+              <a:rPr lang="en-US" altLang="ko-KR" sz="2000" dirty="0" smtClean="0">
+                <a:solidFill>
+                  <a:schemeClr val="tx1">
+                    <a:lumMod val="75000"/>
+                    <a:lumOff val="25000"/>
+                  </a:schemeClr>
+                </a:solidFill>
+              </a:rPr>
+              <a:t>4. DB </a:t>
+            </a:r>
+            <a:r>
+              <a:rPr lang="ko-KR" altLang="en-US" sz="2000" dirty="0" smtClean="0">
+                <a:solidFill>
+                  <a:schemeClr val="tx1">
+                    <a:lumMod val="75000"/>
+                    <a:lumOff val="25000"/>
+                  </a:schemeClr>
+                </a:solidFill>
+              </a:rPr>
+              <a:t>및 </a:t>
+            </a:r>
+            <a:r>
+              <a:rPr lang="en-US" altLang="ko-KR" sz="2000" dirty="0" smtClean="0">
+                <a:solidFill>
+                  <a:schemeClr val="tx1">
+                    <a:lumMod val="75000"/>
+                    <a:lumOff val="25000"/>
+                  </a:schemeClr>
+                </a:solidFill>
+              </a:rPr>
+              <a:t>JSON </a:t>
+            </a:r>
+            <a:r>
+              <a:rPr lang="ko-KR" altLang="en-US" sz="2000" dirty="0" smtClean="0">
+                <a:solidFill>
+                  <a:schemeClr val="tx1">
+                    <a:lumMod val="75000"/>
+                    <a:lumOff val="25000"/>
+                  </a:schemeClr>
+                </a:solidFill>
+              </a:rPr>
+              <a:t>또는 </a:t>
+            </a:r>
+            <a:r>
+              <a:rPr lang="en-US" altLang="ko-KR" sz="2000" dirty="0" smtClean="0">
+                <a:solidFill>
+                  <a:schemeClr val="tx1">
+                    <a:lumMod val="75000"/>
+                    <a:lumOff val="25000"/>
+                  </a:schemeClr>
+                </a:solidFill>
+              </a:rPr>
+              <a:t>XML </a:t>
+            </a:r>
+            <a:r>
+              <a:rPr lang="ko-KR" altLang="en-US" sz="2000" dirty="0" smtClean="0">
+                <a:solidFill>
+                  <a:schemeClr val="tx1">
+                    <a:lumMod val="75000"/>
+                    <a:lumOff val="25000"/>
+                  </a:schemeClr>
+                </a:solidFill>
+              </a:rPr>
+              <a:t>사용하여 문장 입력 쉽게 작성</a:t>
+            </a:r>
+            <a:endParaRPr lang="en-US" altLang="ko-KR" sz="2000" dirty="0" smtClean="0">
+              <a:solidFill>
+                <a:schemeClr val="tx1">
+                  <a:lumMod val="75000"/>
+                  <a:lumOff val="25000"/>
+                </a:schemeClr>
+              </a:solidFill>
+            </a:endParaRPr>
+          </a:p>
+          <a:p>
+            <a:pPr lvl="0"/>
+            <a:endParaRPr lang="en-US" altLang="ko-KR" sz="2000" dirty="0" smtClean="0">
+              <a:solidFill>
+                <a:schemeClr val="tx1">
+                  <a:lumMod val="75000"/>
+                  <a:lumOff val="25000"/>
+                </a:schemeClr>
+              </a:solidFill>
+            </a:endParaRPr>
+          </a:p>
+          <a:p>
+            <a:pPr lvl="0"/>
+            <a:r>
+              <a:rPr lang="en-US" altLang="ko-KR" sz="2000" dirty="0" smtClean="0">
+                <a:solidFill>
+                  <a:schemeClr val="tx1">
+                    <a:lumMod val="75000"/>
+                    <a:lumOff val="25000"/>
+                  </a:schemeClr>
+                </a:solidFill>
+              </a:rPr>
+              <a:t>5. </a:t>
+            </a:r>
+            <a:r>
+              <a:rPr lang="ko-KR" altLang="en-US" sz="2000" dirty="0" smtClean="0">
+                <a:solidFill>
+                  <a:schemeClr val="tx1">
+                    <a:lumMod val="75000"/>
+                    <a:lumOff val="25000"/>
+                  </a:schemeClr>
+                </a:solidFill>
+              </a:rPr>
+              <a:t>문장 게임의 답을 정해진 답이 아닌 여러 종류를 가질 수 있게 할 예정 </a:t>
+            </a:r>
+            <a:r>
+              <a:rPr lang="en-US" altLang="ko-KR" sz="2000" dirty="0" smtClean="0">
+                <a:solidFill>
+                  <a:schemeClr val="tx1">
+                    <a:lumMod val="75000"/>
+                    <a:lumOff val="25000"/>
+                  </a:schemeClr>
+                </a:solidFill>
+              </a:rPr>
+              <a:t>( </a:t>
+            </a:r>
+            <a:r>
+              <a:rPr lang="ko-KR" altLang="en-US" sz="2000" dirty="0" smtClean="0">
+                <a:solidFill>
+                  <a:schemeClr val="tx1">
+                    <a:lumMod val="75000"/>
+                    <a:lumOff val="25000"/>
+                  </a:schemeClr>
+                </a:solidFill>
+              </a:rPr>
+              <a:t>문장</a:t>
+            </a:r>
+            <a:r>
+              <a:rPr lang="en-US" altLang="ko-KR" sz="2000" dirty="0" smtClean="0">
+                <a:solidFill>
+                  <a:schemeClr val="tx1">
+                    <a:lumMod val="75000"/>
+                    <a:lumOff val="25000"/>
+                  </a:schemeClr>
+                </a:solidFill>
+              </a:rPr>
+              <a:t> </a:t>
+            </a:r>
+            <a:r>
+              <a:rPr lang="ko-KR" altLang="en-US" sz="2000" dirty="0" smtClean="0">
+                <a:solidFill>
+                  <a:schemeClr val="tx1">
+                    <a:lumMod val="75000"/>
+                    <a:lumOff val="25000"/>
+                  </a:schemeClr>
+                </a:solidFill>
+              </a:rPr>
+              <a:t>완성도에 따른 점수 차이 </a:t>
+            </a:r>
+            <a:r>
+              <a:rPr lang="en-US" altLang="ko-KR" sz="2000" dirty="0" smtClean="0">
+                <a:solidFill>
+                  <a:schemeClr val="tx1">
+                    <a:lumMod val="75000"/>
+                    <a:lumOff val="25000"/>
+                  </a:schemeClr>
+                </a:solidFill>
+              </a:rPr>
               <a:t>)</a:t>
             </a:r>
           </a:p>
           <a:p>
-            <a:pPr lvl="0" algn="just"/>
-            <a:endParaRPr lang="en-US" altLang="ko-KR" dirty="0"/>
-          </a:p>
-          <a:p>
-            <a:pPr marL="342900" indent="-342900" algn="just">
-              <a:buFontTx/>
-              <a:buChar char="-"/>
-            </a:pPr>
-            <a:r>
-              <a:rPr lang="ko-KR" altLang="en-US" sz="2400" dirty="0"/>
-              <a:t>구분되는 조사의 종류를 늘리고 더</a:t>
-            </a:r>
-            <a:r>
-              <a:rPr lang="en-US" altLang="ko-KR" sz="2400" dirty="0"/>
-              <a:t>, </a:t>
-            </a:r>
-            <a:r>
-              <a:rPr lang="ko-KR" altLang="en-US" sz="2400" dirty="0"/>
-              <a:t>덜</a:t>
-            </a:r>
-            <a:r>
-              <a:rPr lang="en-US" altLang="ko-KR" sz="2400" dirty="0"/>
-              <a:t>, </a:t>
-            </a:r>
-            <a:r>
-              <a:rPr lang="ko-KR" altLang="en-US" sz="2400" dirty="0"/>
-              <a:t>그 등의 관사를 구분한다</a:t>
-            </a:r>
-            <a:r>
-              <a:rPr lang="en-US" altLang="ko-KR" sz="2400" dirty="0"/>
-              <a:t>. </a:t>
-            </a:r>
-          </a:p>
-          <a:p>
-            <a:pPr marL="342900" indent="-342900" algn="just">
-              <a:buFontTx/>
-              <a:buChar char="-"/>
-            </a:pPr>
-            <a:endParaRPr lang="en-US" altLang="ko-KR" sz="2400" dirty="0"/>
-          </a:p>
-          <a:p>
-            <a:pPr marL="342900" indent="-342900" algn="just">
-              <a:buFontTx/>
-              <a:buChar char="-"/>
-            </a:pPr>
-            <a:r>
-              <a:rPr lang="ko-KR" altLang="en-US" sz="2400" dirty="0"/>
-              <a:t>완벽한 문장만이 아니라 수식어가 빠지더라도 문장이완성되면 점수를 받게 함</a:t>
-            </a:r>
-            <a:r>
-              <a:rPr lang="en-US" altLang="ko-KR" sz="2400" dirty="0"/>
-              <a:t>.</a:t>
-            </a:r>
-            <a:endParaRPr lang="ko-KR" altLang="en-US" sz="2400" dirty="0"/>
-          </a:p>
-          <a:p>
-            <a:pPr algn="just">
-              <a:buFont typeface="Wingdings" pitchFamily="2" charset="2"/>
-              <a:buChar char="§"/>
-            </a:pPr>
-            <a:endParaRPr lang="en-US" altLang="ko-KR" sz="1400" dirty="0">
+            <a:pPr lvl="0"/>
+            <a:endParaRPr lang="en-US" altLang="ko-KR" sz="2000" dirty="0" smtClean="0">
+              <a:solidFill>
+                <a:schemeClr val="tx1">
+                  <a:lumMod val="75000"/>
+                  <a:lumOff val="25000"/>
+                </a:schemeClr>
+              </a:solidFill>
+            </a:endParaRPr>
+          </a:p>
+          <a:p>
+            <a:pPr lvl="0"/>
+            <a:r>
+              <a:rPr lang="ko-KR" altLang="en-US" dirty="0" smtClean="0">
+                <a:solidFill>
+                  <a:schemeClr val="tx1">
+                    <a:lumMod val="75000"/>
+                    <a:lumOff val="25000"/>
+                  </a:schemeClr>
+                </a:solidFill>
+              </a:rPr>
+              <a:t>예</a:t>
+            </a:r>
+            <a:r>
+              <a:rPr lang="en-US" altLang="ko-KR" dirty="0" smtClean="0">
+                <a:solidFill>
+                  <a:schemeClr val="tx1">
+                    <a:lumMod val="75000"/>
+                    <a:lumOff val="25000"/>
+                  </a:schemeClr>
+                </a:solidFill>
+              </a:rPr>
+              <a:t>) </a:t>
+            </a:r>
+            <a:r>
+              <a:rPr lang="ko-KR" altLang="en-US" dirty="0" smtClean="0">
+                <a:solidFill>
+                  <a:schemeClr val="tx1">
+                    <a:lumMod val="75000"/>
+                    <a:lumOff val="25000"/>
+                  </a:schemeClr>
+                </a:solidFill>
+              </a:rPr>
+              <a:t>나는 춥고 배고프고 힘들다</a:t>
+            </a:r>
+            <a:endParaRPr lang="en-US" altLang="ko-KR" dirty="0" smtClean="0">
+              <a:solidFill>
+                <a:schemeClr val="tx1">
+                  <a:lumMod val="75000"/>
+                  <a:lumOff val="25000"/>
+                </a:schemeClr>
+              </a:solidFill>
+            </a:endParaRPr>
+          </a:p>
+          <a:p>
+            <a:pPr lvl="0"/>
+            <a:r>
+              <a:rPr lang="en-US" altLang="ko-KR" dirty="0">
+                <a:solidFill>
+                  <a:schemeClr val="tx1">
+                    <a:lumMod val="75000"/>
+                    <a:lumOff val="25000"/>
+                  </a:schemeClr>
+                </a:solidFill>
+              </a:rPr>
+              <a:t>	</a:t>
+            </a:r>
+            <a:r>
+              <a:rPr lang="en-US" altLang="ko-KR" dirty="0" smtClean="0">
+                <a:solidFill>
+                  <a:schemeClr val="tx1">
+                    <a:lumMod val="75000"/>
+                    <a:lumOff val="25000"/>
+                  </a:schemeClr>
+                </a:solidFill>
+              </a:rPr>
+              <a:t>= </a:t>
+            </a:r>
+            <a:r>
+              <a:rPr lang="ko-KR" altLang="en-US" dirty="0" smtClean="0">
+                <a:solidFill>
+                  <a:schemeClr val="tx1">
+                    <a:lumMod val="75000"/>
+                    <a:lumOff val="25000"/>
+                  </a:schemeClr>
+                </a:solidFill>
+              </a:rPr>
+              <a:t>나는 배고프고 춥고 힘들다 </a:t>
+            </a:r>
+            <a:r>
+              <a:rPr lang="en-US" altLang="ko-KR" dirty="0" smtClean="0">
+                <a:solidFill>
+                  <a:schemeClr val="tx1">
+                    <a:lumMod val="75000"/>
+                    <a:lumOff val="25000"/>
+                  </a:schemeClr>
+                </a:solidFill>
+              </a:rPr>
+              <a:t>-&gt; </a:t>
+            </a:r>
+            <a:r>
+              <a:rPr lang="ko-KR" altLang="en-US" dirty="0" smtClean="0">
+                <a:solidFill>
+                  <a:schemeClr val="tx1">
+                    <a:lumMod val="75000"/>
+                    <a:lumOff val="25000"/>
+                  </a:schemeClr>
+                </a:solidFill>
+              </a:rPr>
+              <a:t>동일 점수</a:t>
+            </a:r>
+            <a:endParaRPr lang="en-US" altLang="ko-KR" dirty="0" smtClean="0">
+              <a:solidFill>
+                <a:schemeClr val="tx1">
+                  <a:lumMod val="75000"/>
+                  <a:lumOff val="25000"/>
+                </a:schemeClr>
+              </a:solidFill>
+            </a:endParaRPr>
+          </a:p>
+          <a:p>
+            <a:pPr lvl="0"/>
+            <a:endParaRPr lang="en-US" altLang="ko-KR" dirty="0">
+              <a:solidFill>
+                <a:schemeClr val="tx1">
+                  <a:lumMod val="75000"/>
+                  <a:lumOff val="25000"/>
+                </a:schemeClr>
+              </a:solidFill>
+            </a:endParaRPr>
+          </a:p>
+          <a:p>
+            <a:pPr lvl="0"/>
+            <a:r>
+              <a:rPr lang="en-US" altLang="ko-KR" sz="2000" dirty="0" smtClean="0">
+                <a:solidFill>
+                  <a:schemeClr val="tx1">
+                    <a:lumMod val="75000"/>
+                    <a:lumOff val="25000"/>
+                  </a:schemeClr>
+                </a:solidFill>
+              </a:rPr>
+              <a:t>6. 5</a:t>
+            </a:r>
+            <a:r>
+              <a:rPr lang="ko-KR" altLang="en-US" sz="2000" dirty="0" smtClean="0">
+                <a:solidFill>
+                  <a:schemeClr val="tx1">
+                    <a:lumMod val="75000"/>
+                    <a:lumOff val="25000"/>
+                  </a:schemeClr>
+                </a:solidFill>
+              </a:rPr>
+              <a:t>번과 동일</a:t>
+            </a:r>
+            <a:endParaRPr lang="en-US" altLang="ko-KR" sz="2000" dirty="0">
               <a:solidFill>
                 <a:schemeClr val="tx1">
                   <a:lumMod val="75000"/>
@@ -22623,56 +22537,6 @@
           <a:chExt cx="0" cy="0"/>
         </a:xfrm>
       </p:grpSpPr>
-      <p:sp>
-        <p:nvSpPr>
-          <p:cNvPr id="70" name="직사각형 69"/>
-          <p:cNvSpPr/>
-          <p:nvPr/>
-        </p:nvSpPr>
-        <p:spPr>
-          <a:xfrm>
-            <a:off x="539552" y="1268760"/>
-            <a:ext cx="7920880" cy="523220"/>
-          </a:xfrm>
-          <a:prstGeom prst="rect">
-            <a:avLst/>
-          </a:prstGeom>
-        </p:spPr>
-        <p:txBody>
-          <a:bodyPr wrap="square">
-            <a:spAutoFit/>
-          </a:bodyPr>
-          <a:lstStyle/>
-          <a:p>
-            <a:pPr marL="285750" indent="-285750" algn="just">
-              <a:buFontTx/>
-              <a:buChar char="-"/>
-            </a:pPr>
-            <a:endParaRPr lang="en-US" altLang="ko-KR" sz="1400" dirty="0">
-              <a:solidFill>
-                <a:schemeClr val="tx1">
-                  <a:lumMod val="75000"/>
-                  <a:lumOff val="25000"/>
-                </a:schemeClr>
-              </a:solidFill>
-            </a:endParaRPr>
-          </a:p>
-          <a:p>
-            <a:pPr algn="just">
-              <a:buFont typeface="Wingdings" pitchFamily="2" charset="2"/>
-              <a:buChar char="§"/>
-            </a:pPr>
-            <a:endParaRPr lang="en-US" altLang="ko-KR" sz="1400" dirty="0">
-              <a:solidFill>
-                <a:schemeClr val="tx1">
-                  <a:lumMod val="75000"/>
-                  <a:lumOff val="25000"/>
-                </a:schemeClr>
-              </a:solidFill>
-            </a:endParaRPr>
-          </a:p>
-        </p:txBody>
-      </p:sp>
       <p:sp>
         <p:nvSpPr>
           <p:cNvPr id="46" name="직사각형 45"/>
@@ -22857,14 +22721,14 @@
       </p:sp>
       <p:sp>
         <p:nvSpPr>
-          <p:cNvPr id="32" name="직사각형 31"/>
+          <p:cNvPr id="2" name="직사각형 1"/>
           <p:cNvSpPr/>
           <p:nvPr/>
         </p:nvSpPr>
         <p:spPr>
           <a:xfrm>
-            <a:off x="611560" y="1128221"/>
-            <a:ext cx="7920880" cy="5109091"/>
+            <a:off x="1835696" y="1268760"/>
+            <a:ext cx="5400600" cy="4878259"/>
           </a:xfrm>
           <a:prstGeom prst="rect">
             <a:avLst/>
@@ -22876,131 +22740,481 @@
           </a:bodyPr>
           <a:lstStyle/>
           <a:p>
-            <a:pPr algn="ctr"/>
-            <a:r>
-              <a:rPr lang="ko-KR" altLang="en-US" sz="3600" dirty="0">
+            <a:pPr marL="342900" indent="-342900">
+              <a:buNone/>
+              <a:defRPr/>
+            </a:pPr>
+            <a:r>
+              <a:rPr lang="en-US" altLang="ko-KR" sz="2000" dirty="0">
+                <a:ln w="9525">
+                  <a:solidFill>
+                    <a:schemeClr val="bg1">
+                      <a:alpha val="0"/>
+                    </a:schemeClr>
+                  </a:solidFill>
+                </a:ln>
                 <a:solidFill>
-                  <a:schemeClr val="tx1">
-                    <a:lumMod val="75000"/>
-                    <a:lumOff val="25000"/>
+                  <a:schemeClr val="bg2">
+                    <a:lumMod val="25000"/>
                   </a:schemeClr>
                 </a:solidFill>
+                <a:latin typeface="+mj-lt"/>
+                <a:ea typeface="08서울남산체 M"/>
+                <a:cs typeface="Arial"/>
               </a:rPr>
-              <a:t>지적 사항에 대한 답변</a:t>
-            </a:r>
-            <a:endParaRPr lang="en-US" altLang="ko-KR" sz="3600" dirty="0">
+              <a:t>1.</a:t>
+            </a:r>
+            <a:r>
+              <a:rPr lang="ko-KR" altLang="en-US" sz="2000" dirty="0">
+                <a:ln w="9525">
+                  <a:solidFill>
+                    <a:schemeClr val="bg1">
+                      <a:alpha val="0"/>
+                    </a:schemeClr>
+                  </a:solidFill>
+                </a:ln>
+                <a:solidFill>
+                  <a:schemeClr val="bg2">
+                    <a:lumMod val="25000"/>
+                  </a:schemeClr>
+                </a:solidFill>
+                <a:latin typeface="+mj-lt"/>
+                <a:ea typeface="08서울남산체 M"/>
+                <a:cs typeface="Arial"/>
+              </a:rPr>
+              <a:t> 배경</a:t>
+            </a:r>
+          </a:p>
+          <a:p>
+            <a:pPr marL="657400" indent="-314500">
+              <a:buAutoNum type="arabicParenR"/>
+              <a:defRPr/>
+            </a:pPr>
+            <a:r>
+              <a:rPr lang="ko-KR" altLang="en-US" sz="2000" dirty="0">
+                <a:ln w="9525">
+                  <a:solidFill>
+                    <a:schemeClr val="bg1">
+                      <a:alpha val="0"/>
+                    </a:schemeClr>
+                  </a:solidFill>
+                </a:ln>
+                <a:solidFill>
+                  <a:schemeClr val="bg2">
+                    <a:lumMod val="25000"/>
+                  </a:schemeClr>
+                </a:solidFill>
+                <a:latin typeface="+mj-lt"/>
+                <a:ea typeface="08서울남산체 M"/>
+                <a:cs typeface="Arial"/>
+              </a:rPr>
+              <a:t>한글과 맞춤법에 대한 정확한 이해 필요</a:t>
+            </a:r>
+          </a:p>
+          <a:p>
+            <a:pPr marL="657400" indent="-314500">
+              <a:buAutoNum type="arabicParenR"/>
+              <a:defRPr/>
+            </a:pPr>
+            <a:r>
+              <a:rPr lang="ko-KR" altLang="en-US" sz="2000" dirty="0">
+                <a:ln w="9525">
+                  <a:solidFill>
+                    <a:schemeClr val="bg1">
+                      <a:alpha val="0"/>
+                    </a:schemeClr>
+                  </a:solidFill>
+                </a:ln>
+                <a:solidFill>
+                  <a:schemeClr val="bg2">
+                    <a:lumMod val="25000"/>
+                  </a:schemeClr>
+                </a:solidFill>
+                <a:latin typeface="+mj-lt"/>
+                <a:ea typeface="08서울남산체 M"/>
+                <a:cs typeface="Arial"/>
+              </a:rPr>
+              <a:t>게임을 통한 친숙한 접근</a:t>
+            </a:r>
+          </a:p>
+          <a:p>
+            <a:pPr marL="657400" indent="-314500">
+              <a:buAutoNum type="arabicPeriod"/>
+              <a:defRPr/>
+            </a:pPr>
+            <a:endParaRPr lang="ko-KR" altLang="en-US" sz="2000" dirty="0">
+              <a:ln w="9525">
+                <a:solidFill>
+                  <a:schemeClr val="bg1">
+                    <a:alpha val="0"/>
+                  </a:schemeClr>
+                </a:solidFill>
+              </a:ln>
               <a:solidFill>
-                <a:schemeClr val="tx1">
-                  <a:lumMod val="75000"/>
-                  <a:lumOff val="25000"/>
+                <a:schemeClr val="bg2">
+                  <a:lumMod val="25000"/>
                 </a:schemeClr>
               </a:solidFill>
+              <a:latin typeface="+mj-lt"/>
+              <a:ea typeface="08서울남산체 M"/>
+              <a:cs typeface="Arial"/>
             </a:endParaRPr>
           </a:p>
           <a:p>
-            <a:pPr lvl="0" algn="just"/>
-            <a:r>
-              <a:rPr lang="en-US" altLang="ko-KR" sz="3600" dirty="0">
+            <a:pPr marL="342900" indent="-342900">
+              <a:buNone/>
+              <a:defRPr/>
+            </a:pPr>
+            <a:r>
+              <a:rPr lang="en-US" altLang="ko-KR" sz="2000" dirty="0">
+                <a:ln w="9525">
+                  <a:solidFill>
+                    <a:schemeClr val="bg1">
+                      <a:alpha val="0"/>
+                    </a:schemeClr>
+                  </a:solidFill>
+                </a:ln>
                 <a:solidFill>
-                  <a:schemeClr val="tx1">
-                    <a:lumMod val="75000"/>
-                    <a:lumOff val="25000"/>
+                  <a:schemeClr val="bg2">
+                    <a:lumMod val="25000"/>
                   </a:schemeClr>
                 </a:solidFill>
+                <a:latin typeface="+mj-lt"/>
+                <a:ea typeface="08서울남산체 M"/>
+                <a:cs typeface="Arial"/>
               </a:rPr>
-              <a:t>  </a:t>
-            </a:r>
-          </a:p>
-          <a:p>
-            <a:pPr lvl="0" algn="just"/>
-            <a:endParaRPr lang="en-US" altLang="ko-KR" sz="3600" dirty="0">
+              <a:t>2.</a:t>
+            </a:r>
+            <a:r>
+              <a:rPr lang="ko-KR" altLang="en-US" sz="2000" dirty="0">
+                <a:ln w="9525">
+                  <a:solidFill>
+                    <a:schemeClr val="bg1">
+                      <a:alpha val="0"/>
+                    </a:schemeClr>
+                  </a:solidFill>
+                </a:ln>
+                <a:solidFill>
+                  <a:schemeClr val="bg2">
+                    <a:lumMod val="25000"/>
+                  </a:schemeClr>
+                </a:solidFill>
+                <a:latin typeface="+mj-lt"/>
+                <a:ea typeface="08서울남산체 M"/>
+                <a:cs typeface="Arial"/>
+              </a:rPr>
+              <a:t> 목표 </a:t>
+            </a:r>
+          </a:p>
+          <a:p>
+            <a:pPr marL="657400" indent="-314500">
+              <a:buAutoNum type="arabicParenR"/>
+              <a:defRPr/>
+            </a:pPr>
+            <a:r>
+              <a:rPr lang="ko-KR" altLang="en-US" sz="2000" dirty="0">
+                <a:ln w="9525">
+                  <a:solidFill>
+                    <a:schemeClr val="bg1">
+                      <a:alpha val="0"/>
+                    </a:schemeClr>
+                  </a:solidFill>
+                </a:ln>
+                <a:solidFill>
+                  <a:schemeClr val="bg2">
+                    <a:lumMod val="25000"/>
+                  </a:schemeClr>
+                </a:solidFill>
+                <a:latin typeface="+mj-lt"/>
+                <a:ea typeface="08서울남산체 M"/>
+                <a:cs typeface="Arial"/>
+              </a:rPr>
+              <a:t>기존의 초성 게임과 다른 훈민정음 게임</a:t>
+            </a:r>
+          </a:p>
+          <a:p>
+            <a:pPr marL="657400" indent="-314500">
+              <a:buAutoNum type="arabicParenR"/>
+              <a:defRPr/>
+            </a:pPr>
+            <a:r>
+              <a:rPr lang="ko-KR" altLang="en-US" sz="2000" dirty="0">
+                <a:ln w="9525">
+                  <a:solidFill>
+                    <a:schemeClr val="bg1">
+                      <a:alpha val="0"/>
+                    </a:schemeClr>
+                  </a:solidFill>
+                </a:ln>
+                <a:solidFill>
+                  <a:schemeClr val="bg2">
+                    <a:lumMod val="25000"/>
+                  </a:schemeClr>
+                </a:solidFill>
+                <a:latin typeface="+mj-lt"/>
+                <a:ea typeface="08서울남산체 M"/>
+                <a:cs typeface="Arial"/>
+              </a:rPr>
+              <a:t>직접 문장을 구성하고 맞춤법을</a:t>
+            </a:r>
+            <a:r>
+              <a:rPr lang="en-US" altLang="ko-KR" sz="2000" dirty="0">
+                <a:ln w="9525">
+                  <a:solidFill>
+                    <a:schemeClr val="bg1">
+                      <a:alpha val="0"/>
+                    </a:schemeClr>
+                  </a:solidFill>
+                </a:ln>
+                <a:solidFill>
+                  <a:schemeClr val="bg2">
+                    <a:lumMod val="25000"/>
+                  </a:schemeClr>
+                </a:solidFill>
+                <a:latin typeface="+mj-lt"/>
+                <a:ea typeface="08서울남산체 M"/>
+                <a:cs typeface="Arial"/>
+              </a:rPr>
+              <a:t> </a:t>
+            </a:r>
+            <a:r>
+              <a:rPr lang="ko-KR" altLang="en-US" sz="2000" dirty="0">
+                <a:ln w="9525">
+                  <a:solidFill>
+                    <a:schemeClr val="bg1">
+                      <a:alpha val="0"/>
+                    </a:schemeClr>
+                  </a:solidFill>
+                </a:ln>
+                <a:solidFill>
+                  <a:schemeClr val="bg2">
+                    <a:lumMod val="25000"/>
+                  </a:schemeClr>
+                </a:solidFill>
+                <a:latin typeface="+mj-lt"/>
+                <a:ea typeface="08서울남산체 M"/>
+                <a:cs typeface="Arial"/>
+              </a:rPr>
+              <a:t>학습할 수 있는 게임</a:t>
+            </a:r>
+          </a:p>
+          <a:p>
+            <a:pPr marL="657400" indent="-314500">
+              <a:buAutoNum type="arabicParenR"/>
+              <a:defRPr/>
+            </a:pPr>
+            <a:r>
+              <a:rPr lang="ko-KR" altLang="en-US" sz="2000" dirty="0">
+                <a:ln w="9525">
+                  <a:solidFill>
+                    <a:schemeClr val="bg1">
+                      <a:alpha val="0"/>
+                    </a:schemeClr>
+                  </a:solidFill>
+                </a:ln>
+                <a:solidFill>
+                  <a:schemeClr val="bg2">
+                    <a:lumMod val="25000"/>
+                  </a:schemeClr>
+                </a:solidFill>
+                <a:latin typeface="+mj-lt"/>
+                <a:ea typeface="08서울남산체 M"/>
+                <a:cs typeface="Arial"/>
+              </a:rPr>
+              <a:t>다중사용자 모드 지원</a:t>
+            </a:r>
+          </a:p>
+          <a:p>
+            <a:pPr marL="771700" lvl="1" indent="-314500">
+              <a:buAutoNum type="arabicPeriod"/>
+              <a:defRPr/>
+            </a:pPr>
+            <a:endParaRPr lang="en-US" altLang="ko-KR" sz="2000" dirty="0">
+              <a:ln w="9525">
+                <a:solidFill>
+                  <a:schemeClr val="bg1">
+                    <a:alpha val="0"/>
+                  </a:schemeClr>
+                </a:solidFill>
+              </a:ln>
               <a:solidFill>
-                <a:schemeClr val="tx1">
-                  <a:lumMod val="75000"/>
-                  <a:lumOff val="25000"/>
+                <a:schemeClr val="bg2">
+                  <a:lumMod val="25000"/>
                 </a:schemeClr>
               </a:solidFill>
+              <a:latin typeface="+mj-lt"/>
+              <a:ea typeface="08서울남산체 M"/>
+              <a:cs typeface="Arial"/>
             </a:endParaRPr>
           </a:p>
           <a:p>
-            <a:pPr lvl="0" algn="just"/>
-            <a:endParaRPr lang="en-US" altLang="ko-KR" sz="3600" dirty="0">
+            <a:pPr marL="342900" indent="-342900">
+              <a:buNone/>
+              <a:defRPr/>
+            </a:pPr>
+            <a:r>
+              <a:rPr lang="en-US" altLang="ko-KR" sz="2000" dirty="0">
+                <a:ln w="9525">
+                  <a:solidFill>
+                    <a:schemeClr val="bg1">
+                      <a:alpha val="0"/>
+                    </a:schemeClr>
+                  </a:solidFill>
+                </a:ln>
+                <a:solidFill>
+                  <a:schemeClr val="bg2">
+                    <a:lumMod val="25000"/>
+                  </a:schemeClr>
+                </a:solidFill>
+                <a:latin typeface="+mj-lt"/>
+                <a:ea typeface="08서울남산체 M"/>
+                <a:cs typeface="Arial"/>
+              </a:rPr>
+              <a:t>3.</a:t>
+            </a:r>
+            <a:r>
+              <a:rPr lang="ko-KR" altLang="en-US" sz="2000" dirty="0">
+                <a:ln w="9525">
+                  <a:solidFill>
+                    <a:schemeClr val="bg1">
+                      <a:alpha val="0"/>
+                    </a:schemeClr>
+                  </a:solidFill>
+                </a:ln>
+                <a:solidFill>
+                  <a:schemeClr val="bg2">
+                    <a:lumMod val="25000"/>
+                  </a:schemeClr>
+                </a:solidFill>
+                <a:latin typeface="+mj-lt"/>
+                <a:ea typeface="08서울남산체 M"/>
+                <a:cs typeface="Arial"/>
+              </a:rPr>
+              <a:t> 효과</a:t>
+            </a:r>
+          </a:p>
+          <a:p>
+            <a:pPr marL="657400" indent="-314500">
+              <a:buAutoNum type="arabicParenR"/>
+              <a:defRPr/>
+            </a:pPr>
+            <a:r>
+              <a:rPr lang="ko-KR" altLang="en-US" sz="2000" dirty="0">
+                <a:ln w="9525">
+                  <a:solidFill>
+                    <a:schemeClr val="bg1">
+                      <a:alpha val="0"/>
+                    </a:schemeClr>
+                  </a:solidFill>
+                </a:ln>
+                <a:solidFill>
+                  <a:schemeClr val="bg2">
+                    <a:lumMod val="25000"/>
+                  </a:schemeClr>
+                </a:solidFill>
+                <a:latin typeface="+mj-lt"/>
+                <a:ea typeface="08서울남산체 M"/>
+                <a:cs typeface="Arial"/>
+              </a:rPr>
+              <a:t>한글에 대한 인식을 친숙하게 바꿈</a:t>
+            </a:r>
+          </a:p>
+          <a:p>
+            <a:pPr marL="657400" indent="-314500">
+              <a:buAutoNum type="arabicParenR"/>
+              <a:defRPr/>
+            </a:pPr>
+            <a:r>
+              <a:rPr lang="ko-KR" altLang="en-US" sz="2000" dirty="0">
+                <a:ln w="9525">
+                  <a:solidFill>
+                    <a:schemeClr val="bg1">
+                      <a:alpha val="0"/>
+                    </a:schemeClr>
+                  </a:solidFill>
+                </a:ln>
+                <a:solidFill>
+                  <a:schemeClr val="bg2">
+                    <a:lumMod val="25000"/>
+                  </a:schemeClr>
+                </a:solidFill>
+                <a:latin typeface="+mj-lt"/>
+                <a:ea typeface="08서울남산체 M"/>
+                <a:cs typeface="Arial"/>
+              </a:rPr>
+              <a:t>랭킹 도출을 통해 사용자의 성취감 충족</a:t>
+            </a:r>
+          </a:p>
+          <a:p>
+            <a:pPr marL="742950" lvl="1" indent="-285750">
+              <a:buFont typeface="Arial"/>
+              <a:buChar char="•"/>
+              <a:defRPr/>
+            </a:pPr>
+            <a:endParaRPr lang="en-US" altLang="ko-KR" sz="1700" dirty="0">
+              <a:ln w="9525">
+                <a:solidFill>
+                  <a:schemeClr val="bg1">
+                    <a:alpha val="0"/>
+                  </a:schemeClr>
+                </a:solidFill>
+              </a:ln>
               <a:solidFill>
-                <a:schemeClr val="tx1">
-                  <a:lumMod val="75000"/>
-                  <a:lumOff val="25000"/>
+                <a:schemeClr val="bg2">
+                  <a:lumMod val="25000"/>
                 </a:schemeClr>
               </a:solidFill>
+              <a:latin typeface="08서울남산체 M"/>
+              <a:ea typeface="08서울남산체 M"/>
+              <a:cs typeface="Arial"/>
             </a:endParaRPr>
           </a:p>
           <a:p>
-            <a:pPr lvl="0" algn="ctr"/>
-            <a:r>
-              <a:rPr lang="en-US" altLang="ko-KR" sz="3600" dirty="0">
+            <a:pPr marL="285750" indent="-285750">
+              <a:buFont typeface="Arial"/>
+              <a:buChar char="•"/>
+              <a:defRPr/>
+            </a:pPr>
+            <a:endParaRPr lang="en-US" altLang="ko-KR" sz="1700" dirty="0">
+              <a:ln w="9525">
                 <a:solidFill>
-                  <a:schemeClr val="tx1">
-                    <a:lumMod val="75000"/>
-                    <a:lumOff val="25000"/>
+                  <a:schemeClr val="bg1">
+                    <a:alpha val="0"/>
                   </a:schemeClr>
                 </a:solidFill>
-              </a:rPr>
-              <a:t>4. </a:t>
-            </a:r>
-            <a:r>
-              <a:rPr lang="ko-KR" altLang="en-US" sz="2000" dirty="0"/>
-              <a:t>모듈 설계 내용 필요</a:t>
-            </a:r>
-            <a:endParaRPr lang="ko-KR" altLang="en-US" sz="2400" dirty="0"/>
-          </a:p>
-          <a:p>
-            <a:pPr lvl="0" algn="just"/>
-            <a:endParaRPr lang="ko-KR" altLang="en-US" sz="2400" dirty="0"/>
-          </a:p>
-          <a:p>
-            <a:pPr algn="just"/>
-            <a:endParaRPr lang="en-US" altLang="ko-KR" sz="3600" dirty="0">
+              </a:ln>
               <a:solidFill>
-                <a:schemeClr val="tx1">
-                  <a:lumMod val="75000"/>
-                  <a:lumOff val="25000"/>
+                <a:schemeClr val="bg2">
+                  <a:lumMod val="25000"/>
                 </a:schemeClr>
               </a:solidFill>
+              <a:latin typeface="08서울남산체 M"/>
+              <a:ea typeface="08서울남산체 M"/>
+              <a:cs typeface="Arial"/>
             </a:endParaRPr>
           </a:p>
           <a:p>
-            <a:pPr algn="just"/>
-            <a:endParaRPr lang="en-US" altLang="ko-KR" sz="3600" dirty="0">
+            <a:pPr marL="285750" indent="-285750">
+              <a:buFont typeface="Arial"/>
+              <a:buChar char="•"/>
+              <a:defRPr/>
+            </a:pPr>
+            <a:endParaRPr lang="en-US" altLang="ko-KR" sz="1700" dirty="0">
+              <a:ln w="9525">
+                <a:solidFill>
+                  <a:schemeClr val="bg1">
+                    <a:alpha val="0"/>
+                  </a:schemeClr>
+                </a:solidFill>
+              </a:ln>
               <a:solidFill>
-                <a:schemeClr val="tx1">
-                  <a:lumMod val="75000"/>
-                  <a:lumOff val="25000"/>
+                <a:schemeClr val="bg2">
+                  <a:lumMod val="25000"/>
                 </a:schemeClr>
               </a:solidFill>
-            </a:endParaRPr>
-          </a:p>
-          <a:p>
-            <a:pPr algn="just"/>
-            <a:endParaRPr lang="en-US" altLang="ko-KR" sz="3600" dirty="0">
-              <a:solidFill>
-                <a:schemeClr val="tx1">
-                  <a:lumMod val="75000"/>
-                  <a:lumOff val="25000"/>
-                </a:schemeClr>
-              </a:solidFill>
-            </a:endParaRPr>
-          </a:p>
-          <a:p>
-            <a:pPr algn="just">
-              <a:buFont typeface="Wingdings" pitchFamily="2" charset="2"/>
-              <a:buChar char="§"/>
-            </a:pPr>
-            <a:endParaRPr lang="en-US" altLang="ko-KR" sz="1400" dirty="0">
-              <a:solidFill>
-                <a:schemeClr val="tx1">
-                  <a:lumMod val="75000"/>
-                  <a:lumOff val="25000"/>
-                </a:schemeClr>
-              </a:solidFill>
+              <a:latin typeface="08서울남산체 M"/>
+              <a:ea typeface="08서울남산체 M"/>
+              <a:cs typeface="Arial"/>
             </a:endParaRPr>
           </a:p>
         </p:txBody>
@@ -23008,7 +23222,7 @@
     </p:spTree>
     <p:extLst>
       <p:ext uri="{BB962C8B-B14F-4D97-AF65-F5344CB8AC3E}">
-        <p14:creationId xmlns:p14="http://schemas.microsoft.com/office/powerpoint/2010/main" val="2699747404"/>
+        <p14:creationId xmlns:p14="http://schemas.microsoft.com/office/powerpoint/2010/main" val="3027822332"/>
       </p:ext>
     </p:extLst>
   </p:cSld>
